--- a/figs_src/diagrams-wide.pptx
+++ b/figs_src/diagrams-wide.pptx
@@ -6,6 +6,8 @@
   </p:sldMasterIdLst>
   <p:sldIdLst>
     <p:sldId id="270" r:id="rId2"/>
+    <p:sldId id="271" r:id="rId3"/>
+    <p:sldId id="272" r:id="rId4"/>
   </p:sldIdLst>
   <p:sldSz cx="5303838" cy="10058400"/>
   <p:notesSz cx="4845050" cy="9601200"/>
@@ -288,7 +290,7 @@
           <a:p>
             <a:fld id="{D9DE92D4-3454-4E80-9822-1258D18FA6E8}" type="datetimeFigureOut">
               <a:rPr lang="en-US" smtClean="0"/>
-              <a:t>6/17/2015</a:t>
+              <a:t>7/12/2015</a:t>
             </a:fld>
             <a:endParaRPr lang="en-US"/>
           </a:p>
@@ -458,7 +460,7 @@
           <a:p>
             <a:fld id="{D9DE92D4-3454-4E80-9822-1258D18FA6E8}" type="datetimeFigureOut">
               <a:rPr lang="en-US" smtClean="0"/>
-              <a:t>6/17/2015</a:t>
+              <a:t>7/12/2015</a:t>
             </a:fld>
             <a:endParaRPr lang="en-US"/>
           </a:p>
@@ -638,7 +640,7 @@
           <a:p>
             <a:fld id="{D9DE92D4-3454-4E80-9822-1258D18FA6E8}" type="datetimeFigureOut">
               <a:rPr lang="en-US" smtClean="0"/>
-              <a:t>6/17/2015</a:t>
+              <a:t>7/12/2015</a:t>
             </a:fld>
             <a:endParaRPr lang="en-US"/>
           </a:p>
@@ -808,7 +810,7 @@
           <a:p>
             <a:fld id="{D9DE92D4-3454-4E80-9822-1258D18FA6E8}" type="datetimeFigureOut">
               <a:rPr lang="en-US" smtClean="0"/>
-              <a:t>6/17/2015</a:t>
+              <a:t>7/12/2015</a:t>
             </a:fld>
             <a:endParaRPr lang="en-US"/>
           </a:p>
@@ -1054,7 +1056,7 @@
           <a:p>
             <a:fld id="{D9DE92D4-3454-4E80-9822-1258D18FA6E8}" type="datetimeFigureOut">
               <a:rPr lang="en-US" smtClean="0"/>
-              <a:t>6/17/2015</a:t>
+              <a:t>7/12/2015</a:t>
             </a:fld>
             <a:endParaRPr lang="en-US"/>
           </a:p>
@@ -1342,7 +1344,7 @@
           <a:p>
             <a:fld id="{D9DE92D4-3454-4E80-9822-1258D18FA6E8}" type="datetimeFigureOut">
               <a:rPr lang="en-US" smtClean="0"/>
-              <a:t>6/17/2015</a:t>
+              <a:t>7/12/2015</a:t>
             </a:fld>
             <a:endParaRPr lang="en-US"/>
           </a:p>
@@ -1769,7 +1771,7 @@
           <a:p>
             <a:fld id="{D9DE92D4-3454-4E80-9822-1258D18FA6E8}" type="datetimeFigureOut">
               <a:rPr lang="en-US" smtClean="0"/>
-              <a:t>6/17/2015</a:t>
+              <a:t>7/12/2015</a:t>
             </a:fld>
             <a:endParaRPr lang="en-US"/>
           </a:p>
@@ -1887,7 +1889,7 @@
           <a:p>
             <a:fld id="{D9DE92D4-3454-4E80-9822-1258D18FA6E8}" type="datetimeFigureOut">
               <a:rPr lang="en-US" smtClean="0"/>
-              <a:t>6/17/2015</a:t>
+              <a:t>7/12/2015</a:t>
             </a:fld>
             <a:endParaRPr lang="en-US"/>
           </a:p>
@@ -1982,7 +1984,7 @@
           <a:p>
             <a:fld id="{D9DE92D4-3454-4E80-9822-1258D18FA6E8}" type="datetimeFigureOut">
               <a:rPr lang="en-US" smtClean="0"/>
-              <a:t>6/17/2015</a:t>
+              <a:t>7/12/2015</a:t>
             </a:fld>
             <a:endParaRPr lang="en-US"/>
           </a:p>
@@ -2259,7 +2261,7 @@
           <a:p>
             <a:fld id="{D9DE92D4-3454-4E80-9822-1258D18FA6E8}" type="datetimeFigureOut">
               <a:rPr lang="en-US" smtClean="0"/>
-              <a:t>6/17/2015</a:t>
+              <a:t>7/12/2015</a:t>
             </a:fld>
             <a:endParaRPr lang="en-US"/>
           </a:p>
@@ -2512,7 +2514,7 @@
           <a:p>
             <a:fld id="{D9DE92D4-3454-4E80-9822-1258D18FA6E8}" type="datetimeFigureOut">
               <a:rPr lang="en-US" smtClean="0"/>
-              <a:t>6/17/2015</a:t>
+              <a:t>7/12/2015</a:t>
             </a:fld>
             <a:endParaRPr lang="en-US"/>
           </a:p>
@@ -2725,7 +2727,7 @@
           <a:p>
             <a:fld id="{D9DE92D4-3454-4E80-9822-1258D18FA6E8}" type="datetimeFigureOut">
               <a:rPr lang="en-US" smtClean="0"/>
-              <a:t>6/17/2015</a:t>
+              <a:t>7/12/2015</a:t>
             </a:fld>
             <a:endParaRPr lang="en-US"/>
           </a:p>
@@ -4199,6 +4201,2182 @@
     <p:extLst>
       <p:ext uri="{BB962C8B-B14F-4D97-AF65-F5344CB8AC3E}">
         <p14:creationId xmlns:p14="http://schemas.microsoft.com/office/powerpoint/2010/main" val="3111530684"/>
+      </p:ext>
+    </p:extLst>
+  </p:cSld>
+  <p:clrMapOvr>
+    <a:masterClrMapping/>
+  </p:clrMapOvr>
+</p:sld>
+</file>
+
+<file path=ppt/slides/slide2.xml><?xml version="1.0" encoding="utf-8"?>
+<p:sld xmlns:a="http://schemas.openxmlformats.org/drawingml/2006/main" xmlns:r="http://schemas.openxmlformats.org/officeDocument/2006/relationships" xmlns:p="http://schemas.openxmlformats.org/presentationml/2006/main">
+  <p:cSld>
+    <p:spTree>
+      <p:nvGrpSpPr>
+        <p:cNvPr id="1" name=""/>
+        <p:cNvGrpSpPr/>
+        <p:nvPr/>
+      </p:nvGrpSpPr>
+      <p:grpSpPr>
+        <a:xfrm>
+          <a:off x="0" y="0"/>
+          <a:ext cx="0" cy="0"/>
+          <a:chOff x="0" y="0"/>
+          <a:chExt cx="0" cy="0"/>
+        </a:xfrm>
+      </p:grpSpPr>
+      <p:sp>
+        <p:nvSpPr>
+          <p:cNvPr id="4" name="Rectangle 3"/>
+          <p:cNvSpPr/>
+          <p:nvPr/>
+        </p:nvSpPr>
+        <p:spPr>
+          <a:xfrm rot="16200000">
+            <a:off x="253081" y="492728"/>
+            <a:ext cx="862560" cy="322699"/>
+          </a:xfrm>
+          <a:prstGeom prst="rect">
+            <a:avLst/>
+          </a:prstGeom>
+          <a:solidFill>
+            <a:srgbClr val="FFFFCC"/>
+          </a:solidFill>
+          <a:ln w="12700">
+            <a:solidFill>
+              <a:schemeClr val="tx1"/>
+            </a:solidFill>
+          </a:ln>
+        </p:spPr>
+        <p:style>
+          <a:lnRef idx="2">
+            <a:schemeClr val="accent1">
+              <a:shade val="50000"/>
+            </a:schemeClr>
+          </a:lnRef>
+          <a:fillRef idx="1">
+            <a:schemeClr val="accent1"/>
+          </a:fillRef>
+          <a:effectRef idx="0">
+            <a:schemeClr val="accent1"/>
+          </a:effectRef>
+          <a:fontRef idx="minor">
+            <a:schemeClr val="lt1"/>
+          </a:fontRef>
+        </p:style>
+        <p:txBody>
+          <a:bodyPr rtlCol="0" anchor="ctr"/>
+          <a:lstStyle/>
+          <a:p>
+            <a:pPr algn="ctr"/>
+            <a:r>
+              <a:rPr lang="en-US" sz="800" dirty="0" smtClean="0">
+                <a:solidFill>
+                  <a:schemeClr val="tx1"/>
+                </a:solidFill>
+                <a:latin typeface="Arial" pitchFamily="34" charset="0"/>
+                <a:cs typeface="Arial" pitchFamily="34" charset="0"/>
+              </a:rPr>
+              <a:t>Instruction</a:t>
+            </a:r>
+          </a:p>
+          <a:p>
+            <a:pPr algn="ctr"/>
+            <a:r>
+              <a:rPr lang="en-US" sz="800" dirty="0" smtClean="0">
+                <a:solidFill>
+                  <a:schemeClr val="tx1"/>
+                </a:solidFill>
+                <a:latin typeface="Arial" pitchFamily="34" charset="0"/>
+                <a:cs typeface="Arial" pitchFamily="34" charset="0"/>
+              </a:rPr>
+              <a:t>Fetch</a:t>
+            </a:r>
+          </a:p>
+        </p:txBody>
+      </p:sp>
+      <p:cxnSp>
+        <p:nvCxnSpPr>
+          <p:cNvPr id="10" name="Straight Arrow Connector 9"/>
+          <p:cNvCxnSpPr>
+            <a:stCxn id="4" idx="2"/>
+            <a:endCxn id="57" idx="0"/>
+          </p:cNvCxnSpPr>
+          <p:nvPr/>
+        </p:nvCxnSpPr>
+        <p:spPr>
+          <a:xfrm>
+            <a:off x="845711" y="654078"/>
+            <a:ext cx="152400" cy="8"/>
+          </a:xfrm>
+          <a:prstGeom prst="straightConnector1">
+            <a:avLst/>
+          </a:prstGeom>
+          <a:ln w="12700">
+            <a:solidFill>
+              <a:schemeClr val="tx1"/>
+            </a:solidFill>
+            <a:headEnd type="none" w="med" len="med"/>
+            <a:tailEnd type="triangle" w="med" len="med"/>
+          </a:ln>
+        </p:spPr>
+        <p:style>
+          <a:lnRef idx="1">
+            <a:schemeClr val="accent1"/>
+          </a:lnRef>
+          <a:fillRef idx="0">
+            <a:schemeClr val="accent1"/>
+          </a:fillRef>
+          <a:effectRef idx="0">
+            <a:schemeClr val="accent1"/>
+          </a:effectRef>
+          <a:fontRef idx="minor">
+            <a:schemeClr val="tx1"/>
+          </a:fontRef>
+        </p:style>
+      </p:cxnSp>
+      <p:sp>
+        <p:nvSpPr>
+          <p:cNvPr id="15" name="Rectangle 14"/>
+          <p:cNvSpPr/>
+          <p:nvPr/>
+        </p:nvSpPr>
+        <p:spPr>
+          <a:xfrm>
+            <a:off x="3797267" y="503893"/>
+            <a:ext cx="726066" cy="146851"/>
+          </a:xfrm>
+          <a:prstGeom prst="rect">
+            <a:avLst/>
+          </a:prstGeom>
+          <a:noFill/>
+          <a:ln w="12700">
+            <a:noFill/>
+          </a:ln>
+        </p:spPr>
+        <p:style>
+          <a:lnRef idx="2">
+            <a:schemeClr val="accent1">
+              <a:shade val="50000"/>
+            </a:schemeClr>
+          </a:lnRef>
+          <a:fillRef idx="1">
+            <a:schemeClr val="accent1"/>
+          </a:fillRef>
+          <a:effectRef idx="0">
+            <a:schemeClr val="accent1"/>
+          </a:effectRef>
+          <a:fontRef idx="minor">
+            <a:schemeClr val="lt1"/>
+          </a:fontRef>
+        </p:style>
+        <p:txBody>
+          <a:bodyPr rtlCol="0" anchor="ctr"/>
+          <a:lstStyle/>
+          <a:p>
+            <a:pPr algn="r"/>
+            <a:r>
+              <a:rPr lang="en-US" sz="800" dirty="0" err="1" smtClean="0">
+                <a:solidFill>
+                  <a:schemeClr val="tx1"/>
+                </a:solidFill>
+                <a:latin typeface="Arial" pitchFamily="34" charset="0"/>
+                <a:cs typeface="Arial" pitchFamily="34" charset="0"/>
+              </a:rPr>
+              <a:t>Enqueue</a:t>
+            </a:r>
+            <a:endParaRPr lang="en-US" sz="800" dirty="0" smtClean="0">
+              <a:solidFill>
+                <a:schemeClr val="tx1"/>
+              </a:solidFill>
+              <a:latin typeface="Arial" pitchFamily="34" charset="0"/>
+              <a:cs typeface="Arial" pitchFamily="34" charset="0"/>
+            </a:endParaRPr>
+          </a:p>
+        </p:txBody>
+      </p:sp>
+      <p:cxnSp>
+        <p:nvCxnSpPr>
+          <p:cNvPr id="28" name="Straight Arrow Connector 27"/>
+          <p:cNvCxnSpPr/>
+          <p:nvPr/>
+        </p:nvCxnSpPr>
+        <p:spPr>
+          <a:xfrm flipV="1">
+            <a:off x="2749687" y="652774"/>
+            <a:ext cx="152400" cy="8"/>
+          </a:xfrm>
+          <a:prstGeom prst="straightConnector1">
+            <a:avLst/>
+          </a:prstGeom>
+          <a:ln w="12700">
+            <a:solidFill>
+              <a:schemeClr val="tx1"/>
+            </a:solidFill>
+            <a:headEnd type="none" w="med" len="med"/>
+            <a:tailEnd type="triangle" w="med" len="med"/>
+          </a:ln>
+        </p:spPr>
+        <p:style>
+          <a:lnRef idx="1">
+            <a:schemeClr val="accent1"/>
+          </a:lnRef>
+          <a:fillRef idx="0">
+            <a:schemeClr val="accent1"/>
+          </a:fillRef>
+          <a:effectRef idx="0">
+            <a:schemeClr val="accent1"/>
+          </a:effectRef>
+          <a:fontRef idx="minor">
+            <a:schemeClr val="tx1"/>
+          </a:fontRef>
+        </p:style>
+      </p:cxnSp>
+      <p:cxnSp>
+        <p:nvCxnSpPr>
+          <p:cNvPr id="29" name="Straight Arrow Connector 28"/>
+          <p:cNvCxnSpPr/>
+          <p:nvPr/>
+        </p:nvCxnSpPr>
+        <p:spPr>
+          <a:xfrm>
+            <a:off x="4486267" y="18217"/>
+            <a:ext cx="0" cy="1295400"/>
+          </a:xfrm>
+          <a:prstGeom prst="straightConnector1">
+            <a:avLst/>
+          </a:prstGeom>
+          <a:ln w="12700">
+            <a:solidFill>
+              <a:schemeClr val="tx1"/>
+            </a:solidFill>
+            <a:prstDash val="dash"/>
+            <a:headEnd type="none" w="med" len="med"/>
+            <a:tailEnd type="none" w="med" len="med"/>
+          </a:ln>
+        </p:spPr>
+        <p:style>
+          <a:lnRef idx="1">
+            <a:schemeClr val="accent1"/>
+          </a:lnRef>
+          <a:fillRef idx="0">
+            <a:schemeClr val="accent1"/>
+          </a:fillRef>
+          <a:effectRef idx="0">
+            <a:schemeClr val="accent1"/>
+          </a:effectRef>
+          <a:fontRef idx="minor">
+            <a:schemeClr val="tx1"/>
+          </a:fontRef>
+        </p:style>
+      </p:cxnSp>
+      <p:sp>
+        <p:nvSpPr>
+          <p:cNvPr id="31" name="Rectangle 30"/>
+          <p:cNvSpPr/>
+          <p:nvPr/>
+        </p:nvSpPr>
+        <p:spPr>
+          <a:xfrm rot="16200000">
+            <a:off x="4226119" y="243744"/>
+            <a:ext cx="667148" cy="146851"/>
+          </a:xfrm>
+          <a:prstGeom prst="rect">
+            <a:avLst/>
+          </a:prstGeom>
+          <a:noFill/>
+          <a:ln w="12700">
+            <a:noFill/>
+          </a:ln>
+        </p:spPr>
+        <p:style>
+          <a:lnRef idx="2">
+            <a:schemeClr val="accent1">
+              <a:shade val="50000"/>
+            </a:schemeClr>
+          </a:lnRef>
+          <a:fillRef idx="1">
+            <a:schemeClr val="accent1"/>
+          </a:fillRef>
+          <a:effectRef idx="0">
+            <a:schemeClr val="accent1"/>
+          </a:effectRef>
+          <a:fontRef idx="minor">
+            <a:schemeClr val="lt1"/>
+          </a:fontRef>
+        </p:style>
+        <p:txBody>
+          <a:bodyPr rtlCol="0" anchor="ctr"/>
+          <a:lstStyle/>
+          <a:p>
+            <a:pPr algn="r"/>
+            <a:r>
+              <a:rPr lang="en-US" sz="800" dirty="0" smtClean="0">
+                <a:solidFill>
+                  <a:schemeClr val="tx1"/>
+                </a:solidFill>
+                <a:latin typeface="Arial" pitchFamily="34" charset="0"/>
+                <a:cs typeface="Arial" pitchFamily="34" charset="0"/>
+              </a:rPr>
+              <a:t>To FIFO</a:t>
+            </a:r>
+          </a:p>
+        </p:txBody>
+      </p:sp>
+      <p:cxnSp>
+        <p:nvCxnSpPr>
+          <p:cNvPr id="32" name="Straight Arrow Connector 31"/>
+          <p:cNvCxnSpPr/>
+          <p:nvPr/>
+        </p:nvCxnSpPr>
+        <p:spPr>
+          <a:xfrm>
+            <a:off x="2746108" y="854767"/>
+            <a:ext cx="1874938" cy="0"/>
+          </a:xfrm>
+          <a:prstGeom prst="straightConnector1">
+            <a:avLst/>
+          </a:prstGeom>
+          <a:ln w="12700">
+            <a:solidFill>
+              <a:schemeClr val="tx1"/>
+            </a:solidFill>
+            <a:headEnd type="none" w="med" len="med"/>
+            <a:tailEnd type="triangle" w="med" len="med"/>
+          </a:ln>
+        </p:spPr>
+        <p:style>
+          <a:lnRef idx="1">
+            <a:schemeClr val="accent1"/>
+          </a:lnRef>
+          <a:fillRef idx="0">
+            <a:schemeClr val="accent1"/>
+          </a:fillRef>
+          <a:effectRef idx="0">
+            <a:schemeClr val="accent1"/>
+          </a:effectRef>
+          <a:fontRef idx="minor">
+            <a:schemeClr val="tx1"/>
+          </a:fontRef>
+        </p:style>
+      </p:cxnSp>
+      <p:cxnSp>
+        <p:nvCxnSpPr>
+          <p:cNvPr id="34" name="Straight Arrow Connector 33"/>
+          <p:cNvCxnSpPr/>
+          <p:nvPr/>
+        </p:nvCxnSpPr>
+        <p:spPr>
+          <a:xfrm flipV="1">
+            <a:off x="3764647" y="654086"/>
+            <a:ext cx="856399" cy="32"/>
+          </a:xfrm>
+          <a:prstGeom prst="straightConnector1">
+            <a:avLst/>
+          </a:prstGeom>
+          <a:ln w="12700">
+            <a:solidFill>
+              <a:schemeClr val="tx1"/>
+            </a:solidFill>
+            <a:headEnd type="none" w="med" len="med"/>
+            <a:tailEnd type="triangle" w="med" len="med"/>
+          </a:ln>
+        </p:spPr>
+        <p:style>
+          <a:lnRef idx="1">
+            <a:schemeClr val="accent1"/>
+          </a:lnRef>
+          <a:fillRef idx="0">
+            <a:schemeClr val="accent1"/>
+          </a:fillRef>
+          <a:effectRef idx="0">
+            <a:schemeClr val="accent1"/>
+          </a:effectRef>
+          <a:fontRef idx="minor">
+            <a:schemeClr val="tx1"/>
+          </a:fontRef>
+        </p:style>
+      </p:cxnSp>
+      <p:sp>
+        <p:nvSpPr>
+          <p:cNvPr id="38" name="Rectangle 37"/>
+          <p:cNvSpPr/>
+          <p:nvPr/>
+        </p:nvSpPr>
+        <p:spPr>
+          <a:xfrm>
+            <a:off x="3584095" y="870071"/>
+            <a:ext cx="939238" cy="146851"/>
+          </a:xfrm>
+          <a:prstGeom prst="rect">
+            <a:avLst/>
+          </a:prstGeom>
+          <a:noFill/>
+          <a:ln w="12700">
+            <a:noFill/>
+          </a:ln>
+        </p:spPr>
+        <p:style>
+          <a:lnRef idx="2">
+            <a:schemeClr val="accent1">
+              <a:shade val="50000"/>
+            </a:schemeClr>
+          </a:lnRef>
+          <a:fillRef idx="1">
+            <a:schemeClr val="accent1"/>
+          </a:fillRef>
+          <a:effectRef idx="0">
+            <a:schemeClr val="accent1"/>
+          </a:effectRef>
+          <a:fontRef idx="minor">
+            <a:schemeClr val="lt1"/>
+          </a:fontRef>
+        </p:style>
+        <p:txBody>
+          <a:bodyPr rtlCol="0" anchor="ctr"/>
+          <a:lstStyle/>
+          <a:p>
+            <a:pPr algn="r"/>
+            <a:r>
+              <a:rPr lang="en-US" sz="800" dirty="0" smtClean="0">
+                <a:solidFill>
+                  <a:schemeClr val="tx1"/>
+                </a:solidFill>
+                <a:latin typeface="Arial" pitchFamily="34" charset="0"/>
+                <a:cs typeface="Arial" pitchFamily="34" charset="0"/>
+              </a:rPr>
+              <a:t>Op Code</a:t>
+            </a:r>
+          </a:p>
+        </p:txBody>
+      </p:sp>
+      <p:sp>
+        <p:nvSpPr>
+          <p:cNvPr id="39" name="Rectangle 38"/>
+          <p:cNvSpPr/>
+          <p:nvPr/>
+        </p:nvSpPr>
+        <p:spPr>
+          <a:xfrm>
+            <a:off x="3280685" y="1016922"/>
+            <a:ext cx="1242648" cy="146851"/>
+          </a:xfrm>
+          <a:prstGeom prst="rect">
+            <a:avLst/>
+          </a:prstGeom>
+          <a:noFill/>
+          <a:ln w="12700">
+            <a:noFill/>
+          </a:ln>
+        </p:spPr>
+        <p:style>
+          <a:lnRef idx="2">
+            <a:schemeClr val="accent1">
+              <a:shade val="50000"/>
+            </a:schemeClr>
+          </a:lnRef>
+          <a:fillRef idx="1">
+            <a:schemeClr val="accent1"/>
+          </a:fillRef>
+          <a:effectRef idx="0">
+            <a:schemeClr val="accent1"/>
+          </a:effectRef>
+          <a:fontRef idx="minor">
+            <a:schemeClr val="lt1"/>
+          </a:fontRef>
+        </p:style>
+        <p:txBody>
+          <a:bodyPr rtlCol="0" anchor="ctr"/>
+          <a:lstStyle/>
+          <a:p>
+            <a:pPr algn="r"/>
+            <a:r>
+              <a:rPr lang="en-US" sz="800" dirty="0" smtClean="0">
+                <a:solidFill>
+                  <a:schemeClr val="tx1"/>
+                </a:solidFill>
+                <a:latin typeface="Arial" pitchFamily="34" charset="0"/>
+                <a:cs typeface="Arial" pitchFamily="34" charset="0"/>
+              </a:rPr>
+              <a:t>Register Values</a:t>
+            </a:r>
+          </a:p>
+        </p:txBody>
+      </p:sp>
+      <p:sp>
+        <p:nvSpPr>
+          <p:cNvPr id="49" name="Rectangle 48"/>
+          <p:cNvSpPr/>
+          <p:nvPr/>
+        </p:nvSpPr>
+        <p:spPr>
+          <a:xfrm rot="16200000">
+            <a:off x="3927161" y="1186789"/>
+            <a:ext cx="328082" cy="146851"/>
+          </a:xfrm>
+          <a:prstGeom prst="rect">
+            <a:avLst/>
+          </a:prstGeom>
+          <a:noFill/>
+          <a:ln w="12700">
+            <a:noFill/>
+          </a:ln>
+        </p:spPr>
+        <p:style>
+          <a:lnRef idx="2">
+            <a:schemeClr val="accent1">
+              <a:shade val="50000"/>
+            </a:schemeClr>
+          </a:lnRef>
+          <a:fillRef idx="1">
+            <a:schemeClr val="accent1"/>
+          </a:fillRef>
+          <a:effectRef idx="0">
+            <a:schemeClr val="accent1"/>
+          </a:effectRef>
+          <a:fontRef idx="minor">
+            <a:schemeClr val="lt1"/>
+          </a:fontRef>
+        </p:style>
+        <p:txBody>
+          <a:bodyPr rtlCol="0" anchor="ctr"/>
+          <a:lstStyle/>
+          <a:p>
+            <a:pPr algn="r"/>
+            <a:r>
+              <a:rPr lang="en-US" sz="800" dirty="0" smtClean="0">
+                <a:solidFill>
+                  <a:schemeClr val="tx1"/>
+                </a:solidFill>
+                <a:latin typeface="Arial" pitchFamily="34" charset="0"/>
+                <a:cs typeface="Arial" pitchFamily="34" charset="0"/>
+              </a:rPr>
+              <a:t>...</a:t>
+            </a:r>
+          </a:p>
+        </p:txBody>
+      </p:sp>
+      <p:sp>
+        <p:nvSpPr>
+          <p:cNvPr id="57" name="Rectangle 56"/>
+          <p:cNvSpPr/>
+          <p:nvPr/>
+        </p:nvSpPr>
+        <p:spPr>
+          <a:xfrm rot="16200000">
+            <a:off x="728180" y="492736"/>
+            <a:ext cx="862560" cy="322699"/>
+          </a:xfrm>
+          <a:prstGeom prst="rect">
+            <a:avLst/>
+          </a:prstGeom>
+          <a:solidFill>
+            <a:srgbClr val="FFFFCC"/>
+          </a:solidFill>
+          <a:ln w="12700">
+            <a:solidFill>
+              <a:schemeClr val="tx1"/>
+            </a:solidFill>
+          </a:ln>
+        </p:spPr>
+        <p:style>
+          <a:lnRef idx="2">
+            <a:schemeClr val="accent1">
+              <a:shade val="50000"/>
+            </a:schemeClr>
+          </a:lnRef>
+          <a:fillRef idx="1">
+            <a:schemeClr val="accent1"/>
+          </a:fillRef>
+          <a:effectRef idx="0">
+            <a:schemeClr val="accent1"/>
+          </a:effectRef>
+          <a:fontRef idx="minor">
+            <a:schemeClr val="lt1"/>
+          </a:fontRef>
+        </p:style>
+        <p:txBody>
+          <a:bodyPr rtlCol="0" anchor="ctr"/>
+          <a:lstStyle/>
+          <a:p>
+            <a:pPr algn="ctr"/>
+            <a:r>
+              <a:rPr lang="en-US" sz="800" dirty="0" smtClean="0">
+                <a:solidFill>
+                  <a:schemeClr val="tx1"/>
+                </a:solidFill>
+                <a:latin typeface="Arial" pitchFamily="34" charset="0"/>
+                <a:cs typeface="Arial" pitchFamily="34" charset="0"/>
+              </a:rPr>
+              <a:t>Instruction</a:t>
+            </a:r>
+          </a:p>
+          <a:p>
+            <a:pPr algn="ctr"/>
+            <a:r>
+              <a:rPr lang="en-US" sz="800" dirty="0" smtClean="0">
+                <a:solidFill>
+                  <a:schemeClr val="tx1"/>
+                </a:solidFill>
+                <a:latin typeface="Arial" pitchFamily="34" charset="0"/>
+                <a:cs typeface="Arial" pitchFamily="34" charset="0"/>
+              </a:rPr>
+              <a:t>Decode</a:t>
+            </a:r>
+          </a:p>
+        </p:txBody>
+      </p:sp>
+      <p:cxnSp>
+        <p:nvCxnSpPr>
+          <p:cNvPr id="58" name="Straight Arrow Connector 57"/>
+          <p:cNvCxnSpPr/>
+          <p:nvPr/>
+        </p:nvCxnSpPr>
+        <p:spPr>
+          <a:xfrm flipV="1">
+            <a:off x="1320810" y="654069"/>
+            <a:ext cx="152400" cy="8"/>
+          </a:xfrm>
+          <a:prstGeom prst="straightConnector1">
+            <a:avLst/>
+          </a:prstGeom>
+          <a:ln w="12700">
+            <a:solidFill>
+              <a:schemeClr val="tx1"/>
+            </a:solidFill>
+            <a:headEnd type="none" w="med" len="med"/>
+            <a:tailEnd type="triangle" w="med" len="med"/>
+          </a:ln>
+        </p:spPr>
+        <p:style>
+          <a:lnRef idx="1">
+            <a:schemeClr val="accent1"/>
+          </a:lnRef>
+          <a:fillRef idx="0">
+            <a:schemeClr val="accent1"/>
+          </a:fillRef>
+          <a:effectRef idx="0">
+            <a:schemeClr val="accent1"/>
+          </a:effectRef>
+          <a:fontRef idx="minor">
+            <a:schemeClr val="tx1"/>
+          </a:fontRef>
+        </p:style>
+      </p:cxnSp>
+      <p:sp>
+        <p:nvSpPr>
+          <p:cNvPr id="59" name="Rectangle 58"/>
+          <p:cNvSpPr/>
+          <p:nvPr/>
+        </p:nvSpPr>
+        <p:spPr>
+          <a:xfrm rot="16200000">
+            <a:off x="1203279" y="504568"/>
+            <a:ext cx="862560" cy="322699"/>
+          </a:xfrm>
+          <a:prstGeom prst="rect">
+            <a:avLst/>
+          </a:prstGeom>
+          <a:solidFill>
+            <a:srgbClr val="FFFFCC"/>
+          </a:solidFill>
+          <a:ln w="12700">
+            <a:solidFill>
+              <a:schemeClr val="tx1"/>
+            </a:solidFill>
+          </a:ln>
+        </p:spPr>
+        <p:style>
+          <a:lnRef idx="2">
+            <a:schemeClr val="accent1">
+              <a:shade val="50000"/>
+            </a:schemeClr>
+          </a:lnRef>
+          <a:fillRef idx="1">
+            <a:schemeClr val="accent1"/>
+          </a:fillRef>
+          <a:effectRef idx="0">
+            <a:schemeClr val="accent1"/>
+          </a:effectRef>
+          <a:fontRef idx="minor">
+            <a:schemeClr val="lt1"/>
+          </a:fontRef>
+        </p:style>
+        <p:txBody>
+          <a:bodyPr rtlCol="0" anchor="ctr"/>
+          <a:lstStyle/>
+          <a:p>
+            <a:pPr algn="ctr"/>
+            <a:r>
+              <a:rPr lang="en-US" sz="800" dirty="0" smtClean="0">
+                <a:solidFill>
+                  <a:schemeClr val="tx1"/>
+                </a:solidFill>
+                <a:latin typeface="Arial" pitchFamily="34" charset="0"/>
+                <a:cs typeface="Arial" pitchFamily="34" charset="0"/>
+              </a:rPr>
+              <a:t>Execute</a:t>
+            </a:r>
+          </a:p>
+        </p:txBody>
+      </p:sp>
+      <p:cxnSp>
+        <p:nvCxnSpPr>
+          <p:cNvPr id="62" name="Straight Arrow Connector 61"/>
+          <p:cNvCxnSpPr/>
+          <p:nvPr/>
+        </p:nvCxnSpPr>
+        <p:spPr>
+          <a:xfrm flipV="1">
+            <a:off x="1798213" y="653423"/>
+            <a:ext cx="152400" cy="8"/>
+          </a:xfrm>
+          <a:prstGeom prst="straightConnector1">
+            <a:avLst/>
+          </a:prstGeom>
+          <a:ln w="12700">
+            <a:solidFill>
+              <a:schemeClr val="tx1"/>
+            </a:solidFill>
+            <a:headEnd type="none" w="med" len="med"/>
+            <a:tailEnd type="triangle" w="med" len="med"/>
+          </a:ln>
+        </p:spPr>
+        <p:style>
+          <a:lnRef idx="1">
+            <a:schemeClr val="accent1"/>
+          </a:lnRef>
+          <a:fillRef idx="0">
+            <a:schemeClr val="accent1"/>
+          </a:fillRef>
+          <a:effectRef idx="0">
+            <a:schemeClr val="accent1"/>
+          </a:effectRef>
+          <a:fontRef idx="minor">
+            <a:schemeClr val="tx1"/>
+          </a:fontRef>
+        </p:style>
+      </p:cxnSp>
+      <p:sp>
+        <p:nvSpPr>
+          <p:cNvPr id="63" name="Rectangle 62"/>
+          <p:cNvSpPr/>
+          <p:nvPr/>
+        </p:nvSpPr>
+        <p:spPr>
+          <a:xfrm rot="16200000">
+            <a:off x="1678378" y="504559"/>
+            <a:ext cx="862560" cy="322699"/>
+          </a:xfrm>
+          <a:prstGeom prst="rect">
+            <a:avLst/>
+          </a:prstGeom>
+          <a:solidFill>
+            <a:srgbClr val="FFFFCC"/>
+          </a:solidFill>
+          <a:ln w="12700">
+            <a:solidFill>
+              <a:schemeClr val="tx1"/>
+            </a:solidFill>
+          </a:ln>
+        </p:spPr>
+        <p:style>
+          <a:lnRef idx="2">
+            <a:schemeClr val="accent1">
+              <a:shade val="50000"/>
+            </a:schemeClr>
+          </a:lnRef>
+          <a:fillRef idx="1">
+            <a:schemeClr val="accent1"/>
+          </a:fillRef>
+          <a:effectRef idx="0">
+            <a:schemeClr val="accent1"/>
+          </a:effectRef>
+          <a:fontRef idx="minor">
+            <a:schemeClr val="lt1"/>
+          </a:fontRef>
+        </p:style>
+        <p:txBody>
+          <a:bodyPr rtlCol="0" anchor="ctr"/>
+          <a:lstStyle/>
+          <a:p>
+            <a:pPr algn="ctr"/>
+            <a:r>
+              <a:rPr lang="en-US" sz="800" dirty="0" smtClean="0">
+                <a:solidFill>
+                  <a:schemeClr val="tx1"/>
+                </a:solidFill>
+                <a:latin typeface="Arial" pitchFamily="34" charset="0"/>
+                <a:cs typeface="Arial" pitchFamily="34" charset="0"/>
+              </a:rPr>
+              <a:t>Memory</a:t>
+            </a:r>
+          </a:p>
+        </p:txBody>
+      </p:sp>
+      <p:cxnSp>
+        <p:nvCxnSpPr>
+          <p:cNvPr id="64" name="Straight Arrow Connector 63"/>
+          <p:cNvCxnSpPr/>
+          <p:nvPr/>
+        </p:nvCxnSpPr>
+        <p:spPr>
+          <a:xfrm flipV="1">
+            <a:off x="2271009" y="652782"/>
+            <a:ext cx="152400" cy="8"/>
+          </a:xfrm>
+          <a:prstGeom prst="straightConnector1">
+            <a:avLst/>
+          </a:prstGeom>
+          <a:ln w="12700">
+            <a:solidFill>
+              <a:schemeClr val="tx1"/>
+            </a:solidFill>
+            <a:headEnd type="none" w="med" len="med"/>
+            <a:tailEnd type="triangle" w="med" len="med"/>
+          </a:ln>
+        </p:spPr>
+        <p:style>
+          <a:lnRef idx="1">
+            <a:schemeClr val="accent1"/>
+          </a:lnRef>
+          <a:fillRef idx="0">
+            <a:schemeClr val="accent1"/>
+          </a:fillRef>
+          <a:effectRef idx="0">
+            <a:schemeClr val="accent1"/>
+          </a:effectRef>
+          <a:fontRef idx="minor">
+            <a:schemeClr val="tx1"/>
+          </a:fontRef>
+        </p:style>
+      </p:cxnSp>
+      <p:sp>
+        <p:nvSpPr>
+          <p:cNvPr id="65" name="Rectangle 64"/>
+          <p:cNvSpPr/>
+          <p:nvPr/>
+        </p:nvSpPr>
+        <p:spPr>
+          <a:xfrm rot="16200000">
+            <a:off x="2153478" y="504568"/>
+            <a:ext cx="862560" cy="322699"/>
+          </a:xfrm>
+          <a:prstGeom prst="rect">
+            <a:avLst/>
+          </a:prstGeom>
+          <a:solidFill>
+            <a:srgbClr val="FFFFCC"/>
+          </a:solidFill>
+          <a:ln w="12700">
+            <a:solidFill>
+              <a:schemeClr val="tx1"/>
+            </a:solidFill>
+          </a:ln>
+        </p:spPr>
+        <p:style>
+          <a:lnRef idx="2">
+            <a:schemeClr val="accent1">
+              <a:shade val="50000"/>
+            </a:schemeClr>
+          </a:lnRef>
+          <a:fillRef idx="1">
+            <a:schemeClr val="accent1"/>
+          </a:fillRef>
+          <a:effectRef idx="0">
+            <a:schemeClr val="accent1"/>
+          </a:effectRef>
+          <a:fontRef idx="minor">
+            <a:schemeClr val="lt1"/>
+          </a:fontRef>
+        </p:style>
+        <p:txBody>
+          <a:bodyPr rtlCol="0" anchor="ctr"/>
+          <a:lstStyle/>
+          <a:p>
+            <a:pPr algn="ctr"/>
+            <a:r>
+              <a:rPr lang="en-US" sz="800" dirty="0" smtClean="0">
+                <a:solidFill>
+                  <a:schemeClr val="tx1"/>
+                </a:solidFill>
+                <a:latin typeface="Arial" pitchFamily="34" charset="0"/>
+                <a:cs typeface="Arial" pitchFamily="34" charset="0"/>
+              </a:rPr>
+              <a:t>Commit</a:t>
+            </a:r>
+          </a:p>
+        </p:txBody>
+      </p:sp>
+      <p:sp>
+        <p:nvSpPr>
+          <p:cNvPr id="66" name="Rectangle 65"/>
+          <p:cNvSpPr/>
+          <p:nvPr/>
+        </p:nvSpPr>
+        <p:spPr>
+          <a:xfrm>
+            <a:off x="2902087" y="491424"/>
+            <a:ext cx="862560" cy="322699"/>
+          </a:xfrm>
+          <a:prstGeom prst="rect">
+            <a:avLst/>
+          </a:prstGeom>
+          <a:solidFill>
+            <a:srgbClr val="A6CEE3"/>
+          </a:solidFill>
+          <a:ln w="12700">
+            <a:solidFill>
+              <a:schemeClr val="tx1"/>
+            </a:solidFill>
+          </a:ln>
+        </p:spPr>
+        <p:style>
+          <a:lnRef idx="2">
+            <a:schemeClr val="accent1">
+              <a:shade val="50000"/>
+            </a:schemeClr>
+          </a:lnRef>
+          <a:fillRef idx="1">
+            <a:schemeClr val="accent1"/>
+          </a:fillRef>
+          <a:effectRef idx="0">
+            <a:schemeClr val="accent1"/>
+          </a:effectRef>
+          <a:fontRef idx="minor">
+            <a:schemeClr val="lt1"/>
+          </a:fontRef>
+        </p:style>
+        <p:txBody>
+          <a:bodyPr rtlCol="0" anchor="ctr"/>
+          <a:lstStyle/>
+          <a:p>
+            <a:pPr algn="ctr"/>
+            <a:r>
+              <a:rPr lang="en-US" sz="800" dirty="0" smtClean="0">
+                <a:solidFill>
+                  <a:schemeClr val="tx1"/>
+                </a:solidFill>
+                <a:latin typeface="Arial" pitchFamily="34" charset="0"/>
+                <a:cs typeface="Arial" pitchFamily="34" charset="0"/>
+              </a:rPr>
+              <a:t>Instruction Type Filter</a:t>
+            </a:r>
+          </a:p>
+        </p:txBody>
+      </p:sp>
+    </p:spTree>
+    <p:extLst>
+      <p:ext uri="{BB962C8B-B14F-4D97-AF65-F5344CB8AC3E}">
+        <p14:creationId xmlns:p14="http://schemas.microsoft.com/office/powerpoint/2010/main" val="2774904881"/>
+      </p:ext>
+    </p:extLst>
+  </p:cSld>
+  <p:clrMapOvr>
+    <a:masterClrMapping/>
+  </p:clrMapOvr>
+</p:sld>
+</file>
+
+<file path=ppt/slides/slide3.xml><?xml version="1.0" encoding="utf-8"?>
+<p:sld xmlns:a="http://schemas.openxmlformats.org/drawingml/2006/main" xmlns:r="http://schemas.openxmlformats.org/officeDocument/2006/relationships" xmlns:p="http://schemas.openxmlformats.org/presentationml/2006/main">
+  <p:cSld>
+    <p:spTree>
+      <p:nvGrpSpPr>
+        <p:cNvPr id="1" name=""/>
+        <p:cNvGrpSpPr/>
+        <p:nvPr/>
+      </p:nvGrpSpPr>
+      <p:grpSpPr>
+        <a:xfrm>
+          <a:off x="0" y="0"/>
+          <a:ext cx="0" cy="0"/>
+          <a:chOff x="0" y="0"/>
+          <a:chExt cx="0" cy="0"/>
+        </a:xfrm>
+      </p:grpSpPr>
+      <p:sp>
+        <p:nvSpPr>
+          <p:cNvPr id="4" name="TextBox 3"/>
+          <p:cNvSpPr txBox="1"/>
+          <p:nvPr/>
+        </p:nvSpPr>
+        <p:spPr>
+          <a:xfrm>
+            <a:off x="71689" y="164543"/>
+            <a:ext cx="1589630" cy="1384995"/>
+          </a:xfrm>
+          <a:prstGeom prst="rect">
+            <a:avLst/>
+          </a:prstGeom>
+          <a:noFill/>
+        </p:spPr>
+        <p:txBody>
+          <a:bodyPr wrap="square" rtlCol="0">
+            <a:spAutoFit/>
+          </a:bodyPr>
+          <a:lstStyle/>
+          <a:p>
+            <a:r>
+              <a:rPr lang="en-US" sz="600" dirty="0" smtClean="0">
+                <a:latin typeface="Consolas" pitchFamily="49" charset="0"/>
+                <a:cs typeface="Consolas" pitchFamily="49" charset="0"/>
+              </a:rPr>
+              <a:t>1: </a:t>
+            </a:r>
+            <a:r>
+              <a:rPr lang="en-US" sz="600" dirty="0" err="1" smtClean="0">
+                <a:latin typeface="Consolas" pitchFamily="49" charset="0"/>
+                <a:cs typeface="Consolas" pitchFamily="49" charset="0"/>
+              </a:rPr>
+              <a:t>int</a:t>
+            </a:r>
+            <a:r>
+              <a:rPr lang="en-US" sz="600" dirty="0" smtClean="0">
+                <a:latin typeface="Consolas" pitchFamily="49" charset="0"/>
+                <a:cs typeface="Consolas" pitchFamily="49" charset="0"/>
+              </a:rPr>
+              <a:t> *x = </a:t>
+            </a:r>
+            <a:r>
+              <a:rPr lang="en-US" sz="600" dirty="0" err="1" smtClean="0">
+                <a:latin typeface="Consolas" pitchFamily="49" charset="0"/>
+                <a:cs typeface="Consolas" pitchFamily="49" charset="0"/>
+              </a:rPr>
+              <a:t>malloc</a:t>
+            </a:r>
+            <a:r>
+              <a:rPr lang="en-US" sz="600" dirty="0" smtClean="0">
+                <a:latin typeface="Consolas" pitchFamily="49" charset="0"/>
+                <a:cs typeface="Consolas" pitchFamily="49" charset="0"/>
+              </a:rPr>
+              <a:t>(4*</a:t>
+            </a:r>
+            <a:r>
+              <a:rPr lang="en-US" sz="600" dirty="0" err="1" smtClean="0">
+                <a:latin typeface="Consolas" pitchFamily="49" charset="0"/>
+                <a:cs typeface="Consolas" pitchFamily="49" charset="0"/>
+              </a:rPr>
+              <a:t>sizeof</a:t>
+            </a:r>
+            <a:r>
+              <a:rPr lang="en-US" sz="600" dirty="0" smtClean="0">
+                <a:latin typeface="Consolas" pitchFamily="49" charset="0"/>
+                <a:cs typeface="Consolas" pitchFamily="49" charset="0"/>
+              </a:rPr>
+              <a:t>(</a:t>
+            </a:r>
+            <a:r>
+              <a:rPr lang="en-US" sz="600" dirty="0" err="1" smtClean="0">
+                <a:latin typeface="Consolas" pitchFamily="49" charset="0"/>
+                <a:cs typeface="Consolas" pitchFamily="49" charset="0"/>
+              </a:rPr>
+              <a:t>int</a:t>
+            </a:r>
+            <a:r>
+              <a:rPr lang="en-US" sz="600" dirty="0" smtClean="0">
+                <a:latin typeface="Consolas" pitchFamily="49" charset="0"/>
+                <a:cs typeface="Consolas" pitchFamily="49" charset="0"/>
+              </a:rPr>
+              <a:t>));</a:t>
+            </a:r>
+          </a:p>
+          <a:p>
+            <a:endParaRPr lang="en-US" sz="600" dirty="0">
+              <a:latin typeface="Consolas" pitchFamily="49" charset="0"/>
+              <a:cs typeface="Consolas" pitchFamily="49" charset="0"/>
+            </a:endParaRPr>
+          </a:p>
+          <a:p>
+            <a:endParaRPr lang="en-US" sz="600" dirty="0" smtClean="0">
+              <a:latin typeface="Consolas" pitchFamily="49" charset="0"/>
+              <a:cs typeface="Consolas" pitchFamily="49" charset="0"/>
+            </a:endParaRPr>
+          </a:p>
+          <a:p>
+            <a:r>
+              <a:rPr lang="en-US" sz="600" dirty="0" smtClean="0">
+                <a:latin typeface="Consolas" pitchFamily="49" charset="0"/>
+                <a:cs typeface="Consolas" pitchFamily="49" charset="0"/>
+              </a:rPr>
+              <a:t>2: </a:t>
+            </a:r>
+            <a:r>
+              <a:rPr lang="en-US" sz="600" dirty="0" err="1" smtClean="0">
+                <a:latin typeface="Consolas" pitchFamily="49" charset="0"/>
+                <a:cs typeface="Consolas" pitchFamily="49" charset="0"/>
+              </a:rPr>
+              <a:t>int</a:t>
+            </a:r>
+            <a:r>
+              <a:rPr lang="en-US" sz="600" dirty="0" smtClean="0">
+                <a:latin typeface="Consolas" pitchFamily="49" charset="0"/>
+                <a:cs typeface="Consolas" pitchFamily="49" charset="0"/>
+              </a:rPr>
+              <a:t> *y = x + </a:t>
+            </a:r>
+            <a:r>
+              <a:rPr lang="en-US" sz="600" dirty="0">
+                <a:latin typeface="Consolas" pitchFamily="49" charset="0"/>
+                <a:cs typeface="Consolas" pitchFamily="49" charset="0"/>
+              </a:rPr>
+              <a:t>2</a:t>
+            </a:r>
+            <a:r>
+              <a:rPr lang="en-US" sz="600" dirty="0" smtClean="0">
+                <a:latin typeface="Consolas" pitchFamily="49" charset="0"/>
+                <a:cs typeface="Consolas" pitchFamily="49" charset="0"/>
+              </a:rPr>
+              <a:t>;</a:t>
+            </a:r>
+          </a:p>
+          <a:p>
+            <a:endParaRPr lang="en-US" sz="600" dirty="0">
+              <a:latin typeface="Consolas" pitchFamily="49" charset="0"/>
+              <a:cs typeface="Consolas" pitchFamily="49" charset="0"/>
+            </a:endParaRPr>
+          </a:p>
+          <a:p>
+            <a:r>
+              <a:rPr lang="en-US" sz="600" dirty="0" smtClean="0">
+                <a:latin typeface="Consolas" pitchFamily="49" charset="0"/>
+                <a:cs typeface="Consolas" pitchFamily="49" charset="0"/>
+              </a:rPr>
+              <a:t>3: x[3] = 1;</a:t>
+            </a:r>
+          </a:p>
+          <a:p>
+            <a:endParaRPr lang="en-US" sz="600" dirty="0">
+              <a:latin typeface="Consolas" pitchFamily="49" charset="0"/>
+              <a:cs typeface="Consolas" pitchFamily="49" charset="0"/>
+            </a:endParaRPr>
+          </a:p>
+          <a:p>
+            <a:endParaRPr lang="en-US" sz="600" dirty="0" smtClean="0">
+              <a:latin typeface="Consolas" pitchFamily="49" charset="0"/>
+              <a:cs typeface="Consolas" pitchFamily="49" charset="0"/>
+            </a:endParaRPr>
+          </a:p>
+          <a:p>
+            <a:endParaRPr lang="en-US" sz="600" dirty="0">
+              <a:latin typeface="Consolas" pitchFamily="49" charset="0"/>
+              <a:cs typeface="Consolas" pitchFamily="49" charset="0"/>
+            </a:endParaRPr>
+          </a:p>
+          <a:p>
+            <a:endParaRPr lang="en-US" sz="600" dirty="0" smtClean="0">
+              <a:latin typeface="Consolas" pitchFamily="49" charset="0"/>
+              <a:cs typeface="Consolas" pitchFamily="49" charset="0"/>
+            </a:endParaRPr>
+          </a:p>
+          <a:p>
+            <a:endParaRPr lang="en-US" sz="600" dirty="0" smtClean="0">
+              <a:latin typeface="Consolas" pitchFamily="49" charset="0"/>
+              <a:cs typeface="Consolas" pitchFamily="49" charset="0"/>
+            </a:endParaRPr>
+          </a:p>
+          <a:p>
+            <a:endParaRPr lang="en-US" sz="600" dirty="0">
+              <a:latin typeface="Consolas" pitchFamily="49" charset="0"/>
+              <a:cs typeface="Consolas" pitchFamily="49" charset="0"/>
+            </a:endParaRPr>
+          </a:p>
+          <a:p>
+            <a:endParaRPr lang="en-US" sz="600" dirty="0" smtClean="0">
+              <a:latin typeface="Consolas" pitchFamily="49" charset="0"/>
+              <a:cs typeface="Consolas" pitchFamily="49" charset="0"/>
+            </a:endParaRPr>
+          </a:p>
+          <a:p>
+            <a:r>
+              <a:rPr lang="en-US" sz="600" dirty="0" smtClean="0">
+                <a:latin typeface="Consolas" pitchFamily="49" charset="0"/>
+                <a:cs typeface="Consolas" pitchFamily="49" charset="0"/>
+              </a:rPr>
+              <a:t>4: y[3] = 1;</a:t>
+            </a:r>
+            <a:endParaRPr lang="en-US" sz="600" dirty="0">
+              <a:latin typeface="Consolas" pitchFamily="49" charset="0"/>
+              <a:cs typeface="Consolas" pitchFamily="49" charset="0"/>
+            </a:endParaRPr>
+          </a:p>
+        </p:txBody>
+      </p:sp>
+      <p:sp>
+        <p:nvSpPr>
+          <p:cNvPr id="5" name="TextBox 4"/>
+          <p:cNvSpPr txBox="1"/>
+          <p:nvPr/>
+        </p:nvSpPr>
+        <p:spPr>
+          <a:xfrm>
+            <a:off x="1622528" y="164541"/>
+            <a:ext cx="1715191" cy="1477328"/>
+          </a:xfrm>
+          <a:prstGeom prst="rect">
+            <a:avLst/>
+          </a:prstGeom>
+          <a:noFill/>
+        </p:spPr>
+        <p:txBody>
+          <a:bodyPr wrap="square" rtlCol="0">
+            <a:spAutoFit/>
+          </a:bodyPr>
+          <a:lstStyle/>
+          <a:p>
+            <a:r>
+              <a:rPr lang="en-US" sz="600" dirty="0" smtClean="0">
+                <a:latin typeface="Consolas" pitchFamily="49" charset="0"/>
+                <a:cs typeface="Consolas" pitchFamily="49" charset="0"/>
+              </a:rPr>
+              <a:t>1: call </a:t>
+            </a:r>
+            <a:r>
+              <a:rPr lang="en-US" sz="600" dirty="0" err="1" smtClean="0">
+                <a:latin typeface="Consolas" pitchFamily="49" charset="0"/>
+                <a:cs typeface="Consolas" pitchFamily="49" charset="0"/>
+              </a:rPr>
+              <a:t>malloc</a:t>
+            </a:r>
+            <a:r>
+              <a:rPr lang="en-US" sz="600" dirty="0">
+                <a:latin typeface="Consolas" pitchFamily="49" charset="0"/>
+                <a:cs typeface="Consolas" pitchFamily="49" charset="0"/>
+              </a:rPr>
+              <a:t> </a:t>
+            </a:r>
+            <a:endParaRPr lang="en-US" sz="600" dirty="0" smtClean="0">
+              <a:latin typeface="Consolas" pitchFamily="49" charset="0"/>
+              <a:cs typeface="Consolas" pitchFamily="49" charset="0"/>
+            </a:endParaRPr>
+          </a:p>
+          <a:p>
+            <a:r>
+              <a:rPr lang="en-US" sz="600" dirty="0">
+                <a:latin typeface="Consolas" pitchFamily="49" charset="0"/>
+                <a:cs typeface="Consolas" pitchFamily="49" charset="0"/>
+              </a:rPr>
+              <a:t> </a:t>
+            </a:r>
+            <a:r>
+              <a:rPr lang="en-US" sz="600" dirty="0" smtClean="0">
+                <a:latin typeface="Consolas" pitchFamily="49" charset="0"/>
+                <a:cs typeface="Consolas" pitchFamily="49" charset="0"/>
+              </a:rPr>
+              <a:t>  ; return pointer 0x12340000 in r1</a:t>
+            </a:r>
+          </a:p>
+          <a:p>
+            <a:endParaRPr lang="en-US" sz="600" dirty="0">
+              <a:latin typeface="Consolas" pitchFamily="49" charset="0"/>
+              <a:cs typeface="Consolas" pitchFamily="49" charset="0"/>
+            </a:endParaRPr>
+          </a:p>
+          <a:p>
+            <a:r>
+              <a:rPr lang="en-US" sz="600" dirty="0" smtClean="0">
+                <a:latin typeface="Consolas" pitchFamily="49" charset="0"/>
+                <a:cs typeface="Consolas" pitchFamily="49" charset="0"/>
+              </a:rPr>
+              <a:t>2: add r2, r1, #8</a:t>
+            </a:r>
+          </a:p>
+          <a:p>
+            <a:endParaRPr lang="en-US" sz="600" dirty="0">
+              <a:latin typeface="Consolas" pitchFamily="49" charset="0"/>
+              <a:cs typeface="Consolas" pitchFamily="49" charset="0"/>
+            </a:endParaRPr>
+          </a:p>
+          <a:p>
+            <a:r>
+              <a:rPr lang="en-US" sz="600" dirty="0" smtClean="0">
+                <a:latin typeface="Consolas" pitchFamily="49" charset="0"/>
+                <a:cs typeface="Consolas" pitchFamily="49" charset="0"/>
+              </a:rPr>
+              <a:t>3a: </a:t>
+            </a:r>
+            <a:r>
+              <a:rPr lang="en-US" sz="600" dirty="0" err="1" smtClean="0">
+                <a:latin typeface="Consolas" pitchFamily="49" charset="0"/>
+                <a:cs typeface="Consolas" pitchFamily="49" charset="0"/>
+              </a:rPr>
+              <a:t>mov</a:t>
+            </a:r>
+            <a:r>
+              <a:rPr lang="en-US" sz="600" dirty="0" smtClean="0">
+                <a:latin typeface="Consolas" pitchFamily="49" charset="0"/>
+                <a:cs typeface="Consolas" pitchFamily="49" charset="0"/>
+              </a:rPr>
+              <a:t> r3, #1</a:t>
+            </a:r>
+          </a:p>
+          <a:p>
+            <a:endParaRPr lang="en-US" sz="600" dirty="0">
+              <a:latin typeface="Consolas" pitchFamily="49" charset="0"/>
+              <a:cs typeface="Consolas" pitchFamily="49" charset="0"/>
+            </a:endParaRPr>
+          </a:p>
+          <a:p>
+            <a:r>
+              <a:rPr lang="en-US" sz="600" dirty="0" smtClean="0">
+                <a:latin typeface="Consolas" pitchFamily="49" charset="0"/>
+                <a:cs typeface="Consolas" pitchFamily="49" charset="0"/>
+              </a:rPr>
+              <a:t>3b: </a:t>
+            </a:r>
+            <a:r>
+              <a:rPr lang="en-US" sz="600" dirty="0" err="1" smtClean="0">
+                <a:latin typeface="Consolas" pitchFamily="49" charset="0"/>
+                <a:cs typeface="Consolas" pitchFamily="49" charset="0"/>
+              </a:rPr>
+              <a:t>str</a:t>
+            </a:r>
+            <a:r>
+              <a:rPr lang="en-US" sz="600" dirty="0" smtClean="0">
+                <a:latin typeface="Consolas" pitchFamily="49" charset="0"/>
+                <a:cs typeface="Consolas" pitchFamily="49" charset="0"/>
+              </a:rPr>
+              <a:t> r3, [r1, #12] </a:t>
+            </a:r>
+          </a:p>
+          <a:p>
+            <a:r>
+              <a:rPr lang="en-US" sz="600" dirty="0">
+                <a:latin typeface="Consolas" pitchFamily="49" charset="0"/>
+                <a:cs typeface="Consolas" pitchFamily="49" charset="0"/>
+              </a:rPr>
+              <a:t> </a:t>
+            </a:r>
+            <a:r>
+              <a:rPr lang="en-US" sz="600" dirty="0" smtClean="0">
+                <a:latin typeface="Consolas" pitchFamily="49" charset="0"/>
+                <a:cs typeface="Consolas" pitchFamily="49" charset="0"/>
+              </a:rPr>
+              <a:t>   ; store to 0x1234000c</a:t>
+            </a:r>
+          </a:p>
+          <a:p>
+            <a:endParaRPr lang="en-US" sz="600" dirty="0">
+              <a:latin typeface="Consolas" pitchFamily="49" charset="0"/>
+              <a:cs typeface="Consolas" pitchFamily="49" charset="0"/>
+            </a:endParaRPr>
+          </a:p>
+          <a:p>
+            <a:endParaRPr lang="en-US" sz="600" dirty="0" smtClean="0">
+              <a:latin typeface="Consolas" pitchFamily="49" charset="0"/>
+              <a:cs typeface="Consolas" pitchFamily="49" charset="0"/>
+            </a:endParaRPr>
+          </a:p>
+          <a:p>
+            <a:endParaRPr lang="en-US" sz="600" dirty="0" smtClean="0">
+              <a:latin typeface="Consolas" pitchFamily="49" charset="0"/>
+              <a:cs typeface="Consolas" pitchFamily="49" charset="0"/>
+            </a:endParaRPr>
+          </a:p>
+          <a:p>
+            <a:endParaRPr lang="en-US" sz="600" dirty="0">
+              <a:latin typeface="Consolas" pitchFamily="49" charset="0"/>
+              <a:cs typeface="Consolas" pitchFamily="49" charset="0"/>
+            </a:endParaRPr>
+          </a:p>
+          <a:p>
+            <a:r>
+              <a:rPr lang="en-US" sz="600" dirty="0" smtClean="0">
+                <a:latin typeface="Consolas" pitchFamily="49" charset="0"/>
+                <a:cs typeface="Consolas" pitchFamily="49" charset="0"/>
+              </a:rPr>
+              <a:t>4: </a:t>
+            </a:r>
+            <a:r>
+              <a:rPr lang="en-US" sz="600" dirty="0" err="1" smtClean="0">
+                <a:latin typeface="Consolas" pitchFamily="49" charset="0"/>
+                <a:cs typeface="Consolas" pitchFamily="49" charset="0"/>
+              </a:rPr>
+              <a:t>str</a:t>
+            </a:r>
+            <a:r>
+              <a:rPr lang="en-US" sz="600" dirty="0" smtClean="0">
+                <a:latin typeface="Consolas" pitchFamily="49" charset="0"/>
+                <a:cs typeface="Consolas" pitchFamily="49" charset="0"/>
+              </a:rPr>
+              <a:t> r3, [r2, #12] </a:t>
+            </a:r>
+          </a:p>
+          <a:p>
+            <a:r>
+              <a:rPr lang="en-US" sz="600" dirty="0">
+                <a:latin typeface="Consolas" pitchFamily="49" charset="0"/>
+                <a:cs typeface="Consolas" pitchFamily="49" charset="0"/>
+              </a:rPr>
+              <a:t> </a:t>
+            </a:r>
+            <a:r>
+              <a:rPr lang="en-US" sz="600" dirty="0" smtClean="0">
+                <a:latin typeface="Consolas" pitchFamily="49" charset="0"/>
+                <a:cs typeface="Consolas" pitchFamily="49" charset="0"/>
+              </a:rPr>
+              <a:t>  ; store to 0x12340014</a:t>
+            </a:r>
+            <a:endParaRPr lang="en-US" sz="600" dirty="0">
+              <a:latin typeface="Consolas" pitchFamily="49" charset="0"/>
+              <a:cs typeface="Consolas" pitchFamily="49" charset="0"/>
+            </a:endParaRPr>
+          </a:p>
+        </p:txBody>
+      </p:sp>
+      <p:sp>
+        <p:nvSpPr>
+          <p:cNvPr id="6" name="TextBox 5"/>
+          <p:cNvSpPr txBox="1"/>
+          <p:nvPr/>
+        </p:nvSpPr>
+        <p:spPr>
+          <a:xfrm>
+            <a:off x="3261520" y="164543"/>
+            <a:ext cx="1981200" cy="1754326"/>
+          </a:xfrm>
+          <a:prstGeom prst="rect">
+            <a:avLst/>
+          </a:prstGeom>
+          <a:noFill/>
+        </p:spPr>
+        <p:txBody>
+          <a:bodyPr wrap="square" rtlCol="0">
+            <a:spAutoFit/>
+          </a:bodyPr>
+          <a:lstStyle/>
+          <a:p>
+            <a:r>
+              <a:rPr lang="en-US" sz="600" dirty="0" smtClean="0">
+                <a:latin typeface="Consolas" pitchFamily="49" charset="0"/>
+                <a:cs typeface="Consolas" pitchFamily="49" charset="0"/>
+              </a:rPr>
+              <a:t>1: </a:t>
+            </a:r>
+            <a:r>
+              <a:rPr lang="en-US" sz="600" dirty="0" err="1" smtClean="0">
+                <a:latin typeface="Consolas" pitchFamily="49" charset="0"/>
+                <a:cs typeface="Consolas" pitchFamily="49" charset="0"/>
+              </a:rPr>
+              <a:t>rf_metadata</a:t>
+            </a:r>
+            <a:r>
+              <a:rPr lang="en-US" sz="600" dirty="0" smtClean="0">
+                <a:latin typeface="Consolas" pitchFamily="49" charset="0"/>
+                <a:cs typeface="Consolas" pitchFamily="49" charset="0"/>
+              </a:rPr>
+              <a:t>[1] = {r1, r1 + 0xf}</a:t>
+            </a:r>
+          </a:p>
+          <a:p>
+            <a:r>
+              <a:rPr lang="en-US" sz="600" dirty="0" smtClean="0">
+                <a:latin typeface="Consolas" pitchFamily="49" charset="0"/>
+                <a:cs typeface="Consolas" pitchFamily="49" charset="0"/>
+              </a:rPr>
+              <a:t>     // {base, bounds} of array</a:t>
+            </a:r>
+          </a:p>
+          <a:p>
+            <a:endParaRPr lang="en-US" sz="600" dirty="0" smtClean="0">
+              <a:latin typeface="Consolas" pitchFamily="49" charset="0"/>
+              <a:cs typeface="Consolas" pitchFamily="49" charset="0"/>
+            </a:endParaRPr>
+          </a:p>
+          <a:p>
+            <a:r>
+              <a:rPr lang="en-US" sz="600" dirty="0" smtClean="0">
+                <a:latin typeface="Consolas" pitchFamily="49" charset="0"/>
+                <a:cs typeface="Consolas" pitchFamily="49" charset="0"/>
+              </a:rPr>
+              <a:t>2: </a:t>
+            </a:r>
+            <a:r>
+              <a:rPr lang="en-US" sz="600" dirty="0" err="1" smtClean="0">
+                <a:latin typeface="Consolas" pitchFamily="49" charset="0"/>
+                <a:cs typeface="Consolas" pitchFamily="49" charset="0"/>
+              </a:rPr>
+              <a:t>rf_metadata</a:t>
+            </a:r>
+            <a:r>
+              <a:rPr lang="en-US" sz="600" dirty="0" smtClean="0">
+                <a:latin typeface="Consolas" pitchFamily="49" charset="0"/>
+                <a:cs typeface="Consolas" pitchFamily="49" charset="0"/>
+              </a:rPr>
+              <a:t>[2] = </a:t>
+            </a:r>
+            <a:r>
+              <a:rPr lang="en-US" sz="600" dirty="0" err="1" smtClean="0">
+                <a:latin typeface="Consolas" pitchFamily="49" charset="0"/>
+                <a:cs typeface="Consolas" pitchFamily="49" charset="0"/>
+              </a:rPr>
+              <a:t>rf_metadata</a:t>
+            </a:r>
+            <a:r>
+              <a:rPr lang="en-US" sz="600" dirty="0" smtClean="0">
+                <a:latin typeface="Consolas" pitchFamily="49" charset="0"/>
+                <a:cs typeface="Consolas" pitchFamily="49" charset="0"/>
+              </a:rPr>
+              <a:t>[1]</a:t>
+            </a:r>
+          </a:p>
+          <a:p>
+            <a:endParaRPr lang="en-US" sz="600" dirty="0">
+              <a:latin typeface="Consolas" pitchFamily="49" charset="0"/>
+              <a:cs typeface="Consolas" pitchFamily="49" charset="0"/>
+            </a:endParaRPr>
+          </a:p>
+          <a:p>
+            <a:r>
+              <a:rPr lang="en-US" sz="600" dirty="0" smtClean="0">
+                <a:latin typeface="Consolas" pitchFamily="49" charset="0"/>
+                <a:cs typeface="Consolas" pitchFamily="49" charset="0"/>
+              </a:rPr>
+              <a:t>3a: </a:t>
+            </a:r>
+            <a:r>
+              <a:rPr lang="en-US" sz="600" dirty="0" err="1" smtClean="0">
+                <a:latin typeface="Consolas" pitchFamily="49" charset="0"/>
+                <a:cs typeface="Consolas" pitchFamily="49" charset="0"/>
+              </a:rPr>
+              <a:t>rf_metadata</a:t>
+            </a:r>
+            <a:r>
+              <a:rPr lang="en-US" sz="600" dirty="0" smtClean="0">
+                <a:latin typeface="Consolas" pitchFamily="49" charset="0"/>
+                <a:cs typeface="Consolas" pitchFamily="49" charset="0"/>
+              </a:rPr>
+              <a:t>[3] = NULL</a:t>
+            </a:r>
+          </a:p>
+          <a:p>
+            <a:endParaRPr lang="en-US" sz="600" dirty="0">
+              <a:latin typeface="Consolas" pitchFamily="49" charset="0"/>
+              <a:cs typeface="Consolas" pitchFamily="49" charset="0"/>
+            </a:endParaRPr>
+          </a:p>
+          <a:p>
+            <a:r>
+              <a:rPr lang="en-US" sz="600" dirty="0" smtClean="0">
+                <a:latin typeface="Consolas" pitchFamily="49" charset="0"/>
+                <a:cs typeface="Consolas" pitchFamily="49" charset="0"/>
+              </a:rPr>
+              <a:t>3b: if (r1 + 12 &lt; base(</a:t>
+            </a:r>
+            <a:r>
+              <a:rPr lang="en-US" sz="600" dirty="0" err="1" smtClean="0">
+                <a:latin typeface="Consolas" pitchFamily="49" charset="0"/>
+                <a:cs typeface="Consolas" pitchFamily="49" charset="0"/>
+              </a:rPr>
+              <a:t>rf_metadata</a:t>
+            </a:r>
+            <a:r>
+              <a:rPr lang="en-US" sz="600" dirty="0" smtClean="0">
+                <a:latin typeface="Consolas" pitchFamily="49" charset="0"/>
+                <a:cs typeface="Consolas" pitchFamily="49" charset="0"/>
+              </a:rPr>
+              <a:t>[1]) ||</a:t>
+            </a:r>
+          </a:p>
+          <a:p>
+            <a:r>
+              <a:rPr lang="en-US" sz="600" dirty="0">
+                <a:latin typeface="Consolas" pitchFamily="49" charset="0"/>
+                <a:cs typeface="Consolas" pitchFamily="49" charset="0"/>
+              </a:rPr>
+              <a:t> </a:t>
+            </a:r>
+            <a:r>
+              <a:rPr lang="en-US" sz="600" dirty="0" smtClean="0">
+                <a:latin typeface="Consolas" pitchFamily="49" charset="0"/>
+                <a:cs typeface="Consolas" pitchFamily="49" charset="0"/>
+              </a:rPr>
+              <a:t>       r1 + 12 &gt; bound(</a:t>
+            </a:r>
+            <a:r>
+              <a:rPr lang="en-US" sz="600" dirty="0" err="1" smtClean="0">
+                <a:latin typeface="Consolas" pitchFamily="49" charset="0"/>
+                <a:cs typeface="Consolas" pitchFamily="49" charset="0"/>
+              </a:rPr>
+              <a:t>rf_metadata</a:t>
+            </a:r>
+            <a:r>
+              <a:rPr lang="en-US" sz="600" dirty="0" smtClean="0">
+                <a:latin typeface="Consolas" pitchFamily="49" charset="0"/>
+                <a:cs typeface="Consolas" pitchFamily="49" charset="0"/>
+              </a:rPr>
+              <a:t>[1])) {</a:t>
+            </a:r>
+          </a:p>
+          <a:p>
+            <a:r>
+              <a:rPr lang="en-US" sz="600" dirty="0" smtClean="0">
+                <a:latin typeface="Consolas" pitchFamily="49" charset="0"/>
+                <a:cs typeface="Consolas" pitchFamily="49" charset="0"/>
+              </a:rPr>
+              <a:t>      // raise error</a:t>
+            </a:r>
+          </a:p>
+          <a:p>
+            <a:r>
+              <a:rPr lang="en-US" sz="600" dirty="0" smtClean="0">
+                <a:latin typeface="Consolas" pitchFamily="49" charset="0"/>
+                <a:cs typeface="Consolas" pitchFamily="49" charset="0"/>
+              </a:rPr>
+              <a:t>    }</a:t>
+            </a:r>
+          </a:p>
+          <a:p>
+            <a:r>
+              <a:rPr lang="en-US" sz="600" dirty="0" smtClean="0">
+                <a:latin typeface="Consolas" pitchFamily="49" charset="0"/>
+                <a:cs typeface="Consolas" pitchFamily="49" charset="0"/>
+              </a:rPr>
+              <a:t>    </a:t>
+            </a:r>
+            <a:r>
+              <a:rPr lang="en-US" sz="600" dirty="0" err="1" smtClean="0">
+                <a:latin typeface="Consolas" pitchFamily="49" charset="0"/>
+                <a:cs typeface="Consolas" pitchFamily="49" charset="0"/>
+              </a:rPr>
+              <a:t>mem_metadata</a:t>
+            </a:r>
+            <a:r>
+              <a:rPr lang="en-US" sz="600" dirty="0" smtClean="0">
+                <a:latin typeface="Consolas" pitchFamily="49" charset="0"/>
+                <a:cs typeface="Consolas" pitchFamily="49" charset="0"/>
+              </a:rPr>
+              <a:t>[r1 + 12] = </a:t>
+            </a:r>
+            <a:r>
+              <a:rPr lang="en-US" sz="600" dirty="0" err="1" smtClean="0">
+                <a:latin typeface="Consolas" pitchFamily="49" charset="0"/>
+                <a:cs typeface="Consolas" pitchFamily="49" charset="0"/>
+              </a:rPr>
+              <a:t>rf_metadata</a:t>
+            </a:r>
+            <a:r>
+              <a:rPr lang="en-US" sz="600" dirty="0" smtClean="0">
+                <a:latin typeface="Consolas" pitchFamily="49" charset="0"/>
+                <a:cs typeface="Consolas" pitchFamily="49" charset="0"/>
+              </a:rPr>
+              <a:t>[3];</a:t>
+            </a:r>
+          </a:p>
+          <a:p>
+            <a:endParaRPr lang="en-US" sz="600" dirty="0">
+              <a:latin typeface="Consolas" pitchFamily="49" charset="0"/>
+              <a:cs typeface="Consolas" pitchFamily="49" charset="0"/>
+            </a:endParaRPr>
+          </a:p>
+          <a:p>
+            <a:r>
+              <a:rPr lang="en-US" sz="600" dirty="0" smtClean="0">
+                <a:latin typeface="Consolas" pitchFamily="49" charset="0"/>
+                <a:cs typeface="Consolas" pitchFamily="49" charset="0"/>
+              </a:rPr>
+              <a:t>4: if (r2 + 12 &lt; base(</a:t>
+            </a:r>
+            <a:r>
+              <a:rPr lang="en-US" sz="600" dirty="0" err="1" smtClean="0">
+                <a:latin typeface="Consolas" pitchFamily="49" charset="0"/>
+                <a:cs typeface="Consolas" pitchFamily="49" charset="0"/>
+              </a:rPr>
+              <a:t>rf_metadata</a:t>
+            </a:r>
+            <a:r>
+              <a:rPr lang="en-US" sz="600" dirty="0" smtClean="0">
+                <a:latin typeface="Consolas" pitchFamily="49" charset="0"/>
+                <a:cs typeface="Consolas" pitchFamily="49" charset="0"/>
+              </a:rPr>
+              <a:t>[2]) ||</a:t>
+            </a:r>
+          </a:p>
+          <a:p>
+            <a:r>
+              <a:rPr lang="en-US" sz="600" dirty="0">
+                <a:latin typeface="Consolas" pitchFamily="49" charset="0"/>
+                <a:cs typeface="Consolas" pitchFamily="49" charset="0"/>
+              </a:rPr>
+              <a:t> </a:t>
+            </a:r>
+            <a:r>
+              <a:rPr lang="en-US" sz="600" dirty="0" smtClean="0">
+                <a:latin typeface="Consolas" pitchFamily="49" charset="0"/>
+                <a:cs typeface="Consolas" pitchFamily="49" charset="0"/>
+              </a:rPr>
+              <a:t>      r2 + 12 &gt; bound(</a:t>
+            </a:r>
+            <a:r>
+              <a:rPr lang="en-US" sz="600" dirty="0" err="1" smtClean="0">
+                <a:latin typeface="Consolas" pitchFamily="49" charset="0"/>
+                <a:cs typeface="Consolas" pitchFamily="49" charset="0"/>
+              </a:rPr>
+              <a:t>rf_metadata</a:t>
+            </a:r>
+            <a:r>
+              <a:rPr lang="en-US" sz="600" dirty="0" smtClean="0">
+                <a:latin typeface="Consolas" pitchFamily="49" charset="0"/>
+                <a:cs typeface="Consolas" pitchFamily="49" charset="0"/>
+              </a:rPr>
+              <a:t>[2])) {</a:t>
+            </a:r>
+          </a:p>
+          <a:p>
+            <a:r>
+              <a:rPr lang="en-US" sz="600" dirty="0">
+                <a:latin typeface="Consolas" pitchFamily="49" charset="0"/>
+                <a:cs typeface="Consolas" pitchFamily="49" charset="0"/>
+              </a:rPr>
+              <a:t> </a:t>
+            </a:r>
+            <a:r>
+              <a:rPr lang="en-US" sz="600" dirty="0" smtClean="0">
+                <a:latin typeface="Consolas" pitchFamily="49" charset="0"/>
+                <a:cs typeface="Consolas" pitchFamily="49" charset="0"/>
+              </a:rPr>
+              <a:t>    // raise error</a:t>
+            </a:r>
+          </a:p>
+          <a:p>
+            <a:r>
+              <a:rPr lang="en-US" sz="600" dirty="0" smtClean="0">
+                <a:latin typeface="Consolas" pitchFamily="49" charset="0"/>
+                <a:cs typeface="Consolas" pitchFamily="49" charset="0"/>
+              </a:rPr>
+              <a:t>   }</a:t>
+            </a:r>
+          </a:p>
+          <a:p>
+            <a:r>
+              <a:rPr lang="en-US" sz="600" dirty="0" smtClean="0">
+                <a:latin typeface="Consolas" pitchFamily="49" charset="0"/>
+                <a:cs typeface="Consolas" pitchFamily="49" charset="0"/>
+              </a:rPr>
+              <a:t>   </a:t>
+            </a:r>
+            <a:r>
+              <a:rPr lang="en-US" sz="600" dirty="0" err="1" smtClean="0">
+                <a:latin typeface="Consolas" pitchFamily="49" charset="0"/>
+                <a:cs typeface="Consolas" pitchFamily="49" charset="0"/>
+              </a:rPr>
+              <a:t>mem_metadata</a:t>
+            </a:r>
+            <a:r>
+              <a:rPr lang="en-US" sz="600" dirty="0" smtClean="0">
+                <a:latin typeface="Consolas" pitchFamily="49" charset="0"/>
+                <a:cs typeface="Consolas" pitchFamily="49" charset="0"/>
+              </a:rPr>
+              <a:t>[r2 + 12] = </a:t>
+            </a:r>
+            <a:r>
+              <a:rPr lang="en-US" sz="600" dirty="0" err="1" smtClean="0">
+                <a:latin typeface="Consolas" pitchFamily="49" charset="0"/>
+                <a:cs typeface="Consolas" pitchFamily="49" charset="0"/>
+              </a:rPr>
+              <a:t>rf_metadata</a:t>
+            </a:r>
+            <a:r>
+              <a:rPr lang="en-US" sz="600" dirty="0" smtClean="0">
+                <a:latin typeface="Consolas" pitchFamily="49" charset="0"/>
+                <a:cs typeface="Consolas" pitchFamily="49" charset="0"/>
+              </a:rPr>
+              <a:t>[3];</a:t>
+            </a:r>
+            <a:endParaRPr lang="en-US" sz="600" dirty="0">
+              <a:latin typeface="Consolas" pitchFamily="49" charset="0"/>
+              <a:cs typeface="Consolas" pitchFamily="49" charset="0"/>
+            </a:endParaRPr>
+          </a:p>
+        </p:txBody>
+      </p:sp>
+      <p:sp>
+        <p:nvSpPr>
+          <p:cNvPr id="7" name="TextBox 6"/>
+          <p:cNvSpPr txBox="1"/>
+          <p:nvPr/>
+        </p:nvSpPr>
+        <p:spPr>
+          <a:xfrm>
+            <a:off x="199352" y="-30701"/>
+            <a:ext cx="1334304" cy="215444"/>
+          </a:xfrm>
+          <a:prstGeom prst="rect">
+            <a:avLst/>
+          </a:prstGeom>
+          <a:noFill/>
+        </p:spPr>
+        <p:txBody>
+          <a:bodyPr wrap="square" rtlCol="0">
+            <a:spAutoFit/>
+          </a:bodyPr>
+          <a:lstStyle/>
+          <a:p>
+            <a:pPr algn="ctr"/>
+            <a:r>
+              <a:rPr lang="en-US" sz="800" dirty="0" smtClean="0">
+                <a:latin typeface="Arial" pitchFamily="34" charset="0"/>
+                <a:cs typeface="Arial" pitchFamily="34" charset="0"/>
+              </a:rPr>
+              <a:t>Main Core (High-level)</a:t>
+            </a:r>
+            <a:endParaRPr lang="en-US" sz="800" dirty="0">
+              <a:latin typeface="Arial" pitchFamily="34" charset="0"/>
+              <a:cs typeface="Arial" pitchFamily="34" charset="0"/>
+            </a:endParaRPr>
+          </a:p>
+        </p:txBody>
+      </p:sp>
+      <p:sp>
+        <p:nvSpPr>
+          <p:cNvPr id="8" name="TextBox 7"/>
+          <p:cNvSpPr txBox="1"/>
+          <p:nvPr/>
+        </p:nvSpPr>
+        <p:spPr>
+          <a:xfrm>
+            <a:off x="1842703" y="-30701"/>
+            <a:ext cx="1274839" cy="215444"/>
+          </a:xfrm>
+          <a:prstGeom prst="rect">
+            <a:avLst/>
+          </a:prstGeom>
+          <a:noFill/>
+        </p:spPr>
+        <p:txBody>
+          <a:bodyPr wrap="square" rtlCol="0">
+            <a:spAutoFit/>
+          </a:bodyPr>
+          <a:lstStyle/>
+          <a:p>
+            <a:pPr algn="ctr"/>
+            <a:r>
+              <a:rPr lang="en-US" sz="800" dirty="0" smtClean="0">
+                <a:latin typeface="Arial" pitchFamily="34" charset="0"/>
+                <a:cs typeface="Arial" pitchFamily="34" charset="0"/>
+              </a:rPr>
+              <a:t>Main Core (Assembly)</a:t>
+            </a:r>
+            <a:endParaRPr lang="en-US" sz="800" dirty="0">
+              <a:latin typeface="Arial" pitchFamily="34" charset="0"/>
+              <a:cs typeface="Arial" pitchFamily="34" charset="0"/>
+            </a:endParaRPr>
+          </a:p>
+        </p:txBody>
+      </p:sp>
+      <p:sp>
+        <p:nvSpPr>
+          <p:cNvPr id="9" name="TextBox 8"/>
+          <p:cNvSpPr txBox="1"/>
+          <p:nvPr/>
+        </p:nvSpPr>
+        <p:spPr>
+          <a:xfrm>
+            <a:off x="3676045" y="-30701"/>
+            <a:ext cx="1152150" cy="215444"/>
+          </a:xfrm>
+          <a:prstGeom prst="rect">
+            <a:avLst/>
+          </a:prstGeom>
+          <a:noFill/>
+        </p:spPr>
+        <p:txBody>
+          <a:bodyPr wrap="square" rtlCol="0">
+            <a:spAutoFit/>
+          </a:bodyPr>
+          <a:lstStyle/>
+          <a:p>
+            <a:pPr algn="ctr"/>
+            <a:r>
+              <a:rPr lang="en-US" sz="800" dirty="0" smtClean="0">
+                <a:latin typeface="Arial" pitchFamily="34" charset="0"/>
+                <a:cs typeface="Arial" pitchFamily="34" charset="0"/>
+              </a:rPr>
+              <a:t>Monitor</a:t>
+            </a:r>
+            <a:endParaRPr lang="en-US" sz="800" dirty="0">
+              <a:latin typeface="Arial" pitchFamily="34" charset="0"/>
+              <a:cs typeface="Arial" pitchFamily="34" charset="0"/>
+            </a:endParaRPr>
+          </a:p>
+        </p:txBody>
+      </p:sp>
+      <p:cxnSp>
+        <p:nvCxnSpPr>
+          <p:cNvPr id="10" name="Straight Connector 9"/>
+          <p:cNvCxnSpPr/>
+          <p:nvPr/>
+        </p:nvCxnSpPr>
+        <p:spPr>
+          <a:xfrm>
+            <a:off x="64754" y="429750"/>
+            <a:ext cx="5177965" cy="0"/>
+          </a:xfrm>
+          <a:prstGeom prst="line">
+            <a:avLst/>
+          </a:prstGeom>
+          <a:ln>
+            <a:solidFill>
+              <a:schemeClr val="bg1">
+                <a:lumMod val="75000"/>
+              </a:schemeClr>
+            </a:solidFill>
+            <a:prstDash val="solid"/>
+          </a:ln>
+        </p:spPr>
+        <p:style>
+          <a:lnRef idx="1">
+            <a:schemeClr val="accent1"/>
+          </a:lnRef>
+          <a:fillRef idx="0">
+            <a:schemeClr val="accent1"/>
+          </a:fillRef>
+          <a:effectRef idx="0">
+            <a:schemeClr val="accent1"/>
+          </a:effectRef>
+          <a:fontRef idx="minor">
+            <a:schemeClr val="tx1"/>
+          </a:fontRef>
+        </p:style>
+      </p:cxnSp>
+      <p:cxnSp>
+        <p:nvCxnSpPr>
+          <p:cNvPr id="11" name="Straight Connector 10"/>
+          <p:cNvCxnSpPr/>
+          <p:nvPr/>
+        </p:nvCxnSpPr>
+        <p:spPr>
+          <a:xfrm>
+            <a:off x="71688" y="621775"/>
+            <a:ext cx="5171031" cy="0"/>
+          </a:xfrm>
+          <a:prstGeom prst="line">
+            <a:avLst/>
+          </a:prstGeom>
+          <a:ln>
+            <a:solidFill>
+              <a:schemeClr val="bg1">
+                <a:lumMod val="75000"/>
+              </a:schemeClr>
+            </a:solidFill>
+            <a:prstDash val="solid"/>
+          </a:ln>
+        </p:spPr>
+        <p:style>
+          <a:lnRef idx="1">
+            <a:schemeClr val="accent1"/>
+          </a:lnRef>
+          <a:fillRef idx="0">
+            <a:schemeClr val="accent1"/>
+          </a:fillRef>
+          <a:effectRef idx="0">
+            <a:schemeClr val="accent1"/>
+          </a:effectRef>
+          <a:fontRef idx="minor">
+            <a:schemeClr val="tx1"/>
+          </a:fontRef>
+        </p:style>
+      </p:cxnSp>
+      <p:cxnSp>
+        <p:nvCxnSpPr>
+          <p:cNvPr id="12" name="Straight Connector 11"/>
+          <p:cNvCxnSpPr/>
+          <p:nvPr/>
+        </p:nvCxnSpPr>
+        <p:spPr>
+          <a:xfrm>
+            <a:off x="71688" y="1351470"/>
+            <a:ext cx="5171031" cy="0"/>
+          </a:xfrm>
+          <a:prstGeom prst="line">
+            <a:avLst/>
+          </a:prstGeom>
+          <a:ln>
+            <a:solidFill>
+              <a:schemeClr val="bg1">
+                <a:lumMod val="75000"/>
+              </a:schemeClr>
+            </a:solidFill>
+            <a:prstDash val="solid"/>
+          </a:ln>
+        </p:spPr>
+        <p:style>
+          <a:lnRef idx="1">
+            <a:schemeClr val="accent1"/>
+          </a:lnRef>
+          <a:fillRef idx="0">
+            <a:schemeClr val="accent1"/>
+          </a:fillRef>
+          <a:effectRef idx="0">
+            <a:schemeClr val="accent1"/>
+          </a:effectRef>
+          <a:fontRef idx="minor">
+            <a:schemeClr val="tx1"/>
+          </a:fontRef>
+        </p:style>
+      </p:cxnSp>
+      <p:cxnSp>
+        <p:nvCxnSpPr>
+          <p:cNvPr id="13" name="Straight Connector 12"/>
+          <p:cNvCxnSpPr/>
+          <p:nvPr/>
+        </p:nvCxnSpPr>
+        <p:spPr>
+          <a:xfrm>
+            <a:off x="1622527" y="775395"/>
+            <a:ext cx="3620192" cy="0"/>
+          </a:xfrm>
+          <a:prstGeom prst="line">
+            <a:avLst/>
+          </a:prstGeom>
+          <a:ln>
+            <a:solidFill>
+              <a:schemeClr val="bg1">
+                <a:lumMod val="75000"/>
+              </a:schemeClr>
+            </a:solidFill>
+            <a:prstDash val="solid"/>
+          </a:ln>
+        </p:spPr>
+        <p:style>
+          <a:lnRef idx="1">
+            <a:schemeClr val="accent1"/>
+          </a:lnRef>
+          <a:fillRef idx="0">
+            <a:schemeClr val="accent1"/>
+          </a:fillRef>
+          <a:effectRef idx="0">
+            <a:schemeClr val="accent1"/>
+          </a:effectRef>
+          <a:fontRef idx="minor">
+            <a:schemeClr val="tx1"/>
+          </a:fontRef>
+        </p:style>
+      </p:cxnSp>
+      <p:cxnSp>
+        <p:nvCxnSpPr>
+          <p:cNvPr id="14" name="Straight Connector 13"/>
+          <p:cNvCxnSpPr/>
+          <p:nvPr/>
+        </p:nvCxnSpPr>
+        <p:spPr>
+          <a:xfrm>
+            <a:off x="1622527" y="164541"/>
+            <a:ext cx="0" cy="1754328"/>
+          </a:xfrm>
+          <a:prstGeom prst="line">
+            <a:avLst/>
+          </a:prstGeom>
+          <a:ln>
+            <a:solidFill>
+              <a:schemeClr val="tx1"/>
+            </a:solidFill>
+          </a:ln>
+        </p:spPr>
+        <p:style>
+          <a:lnRef idx="1">
+            <a:schemeClr val="accent1"/>
+          </a:lnRef>
+          <a:fillRef idx="0">
+            <a:schemeClr val="accent1"/>
+          </a:fillRef>
+          <a:effectRef idx="0">
+            <a:schemeClr val="accent1"/>
+          </a:effectRef>
+          <a:fontRef idx="minor">
+            <a:schemeClr val="tx1"/>
+          </a:fontRef>
+        </p:style>
+      </p:cxnSp>
+      <p:cxnSp>
+        <p:nvCxnSpPr>
+          <p:cNvPr id="15" name="Straight Connector 14"/>
+          <p:cNvCxnSpPr/>
+          <p:nvPr/>
+        </p:nvCxnSpPr>
+        <p:spPr>
+          <a:xfrm>
+            <a:off x="3261519" y="173532"/>
+            <a:ext cx="0" cy="1754326"/>
+          </a:xfrm>
+          <a:prstGeom prst="line">
+            <a:avLst/>
+          </a:prstGeom>
+          <a:ln>
+            <a:solidFill>
+              <a:schemeClr val="tx1"/>
+            </a:solidFill>
+          </a:ln>
+        </p:spPr>
+        <p:style>
+          <a:lnRef idx="1">
+            <a:schemeClr val="accent1"/>
+          </a:lnRef>
+          <a:fillRef idx="0">
+            <a:schemeClr val="accent1"/>
+          </a:fillRef>
+          <a:effectRef idx="0">
+            <a:schemeClr val="accent1"/>
+          </a:effectRef>
+          <a:fontRef idx="minor">
+            <a:schemeClr val="tx1"/>
+          </a:fontRef>
+        </p:style>
+      </p:cxnSp>
+      <p:sp>
+        <p:nvSpPr>
+          <p:cNvPr id="16" name="Rounded Rectangle 15"/>
+          <p:cNvSpPr/>
+          <p:nvPr/>
+        </p:nvSpPr>
+        <p:spPr>
+          <a:xfrm>
+            <a:off x="71688" y="160915"/>
+            <a:ext cx="5171031" cy="1757954"/>
+          </a:xfrm>
+          <a:prstGeom prst="roundRect">
+            <a:avLst>
+              <a:gd name="adj" fmla="val 4386"/>
+            </a:avLst>
+          </a:prstGeom>
+          <a:noFill/>
+          <a:ln w="12700">
+            <a:solidFill>
+              <a:schemeClr val="tx1"/>
+            </a:solidFill>
+          </a:ln>
+        </p:spPr>
+        <p:style>
+          <a:lnRef idx="2">
+            <a:schemeClr val="accent1">
+              <a:shade val="50000"/>
+            </a:schemeClr>
+          </a:lnRef>
+          <a:fillRef idx="1">
+            <a:schemeClr val="accent1"/>
+          </a:fillRef>
+          <a:effectRef idx="0">
+            <a:schemeClr val="accent1"/>
+          </a:effectRef>
+          <a:fontRef idx="minor">
+            <a:schemeClr val="lt1"/>
+          </a:fontRef>
+        </p:style>
+        <p:txBody>
+          <a:bodyPr rtlCol="0" anchor="ctr"/>
+          <a:lstStyle/>
+          <a:p>
+            <a:pPr algn="ctr"/>
+            <a:endParaRPr lang="en-US"/>
+          </a:p>
+        </p:txBody>
+      </p:sp>
+    </p:spTree>
+    <p:extLst>
+      <p:ext uri="{BB962C8B-B14F-4D97-AF65-F5344CB8AC3E}">
+        <p14:creationId xmlns:p14="http://schemas.microsoft.com/office/powerpoint/2010/main" val="4129890357"/>
       </p:ext>
     </p:extLst>
   </p:cSld>

--- a/figs_src/diagrams-wide.pptx
+++ b/figs_src/diagrams-wide.pptx
@@ -8,6 +8,8 @@
     <p:sldId id="270" r:id="rId2"/>
     <p:sldId id="271" r:id="rId3"/>
     <p:sldId id="272" r:id="rId4"/>
+    <p:sldId id="273" r:id="rId5"/>
+    <p:sldId id="274" r:id="rId6"/>
   </p:sldIdLst>
   <p:sldSz cx="5303838" cy="10058400"/>
   <p:notesSz cx="4845050" cy="9601200"/>
@@ -290,7 +292,7 @@
           <a:p>
             <a:fld id="{D9DE92D4-3454-4E80-9822-1258D18FA6E8}" type="datetimeFigureOut">
               <a:rPr lang="en-US" smtClean="0"/>
-              <a:t>7/12/2015</a:t>
+              <a:t>7/23/2015</a:t>
             </a:fld>
             <a:endParaRPr lang="en-US"/>
           </a:p>
@@ -460,7 +462,7 @@
           <a:p>
             <a:fld id="{D9DE92D4-3454-4E80-9822-1258D18FA6E8}" type="datetimeFigureOut">
               <a:rPr lang="en-US" smtClean="0"/>
-              <a:t>7/12/2015</a:t>
+              <a:t>7/23/2015</a:t>
             </a:fld>
             <a:endParaRPr lang="en-US"/>
           </a:p>
@@ -640,7 +642,7 @@
           <a:p>
             <a:fld id="{D9DE92D4-3454-4E80-9822-1258D18FA6E8}" type="datetimeFigureOut">
               <a:rPr lang="en-US" smtClean="0"/>
-              <a:t>7/12/2015</a:t>
+              <a:t>7/23/2015</a:t>
             </a:fld>
             <a:endParaRPr lang="en-US"/>
           </a:p>
@@ -810,7 +812,7 @@
           <a:p>
             <a:fld id="{D9DE92D4-3454-4E80-9822-1258D18FA6E8}" type="datetimeFigureOut">
               <a:rPr lang="en-US" smtClean="0"/>
-              <a:t>7/12/2015</a:t>
+              <a:t>7/23/2015</a:t>
             </a:fld>
             <a:endParaRPr lang="en-US"/>
           </a:p>
@@ -1056,7 +1058,7 @@
           <a:p>
             <a:fld id="{D9DE92D4-3454-4E80-9822-1258D18FA6E8}" type="datetimeFigureOut">
               <a:rPr lang="en-US" smtClean="0"/>
-              <a:t>7/12/2015</a:t>
+              <a:t>7/23/2015</a:t>
             </a:fld>
             <a:endParaRPr lang="en-US"/>
           </a:p>
@@ -1344,7 +1346,7 @@
           <a:p>
             <a:fld id="{D9DE92D4-3454-4E80-9822-1258D18FA6E8}" type="datetimeFigureOut">
               <a:rPr lang="en-US" smtClean="0"/>
-              <a:t>7/12/2015</a:t>
+              <a:t>7/23/2015</a:t>
             </a:fld>
             <a:endParaRPr lang="en-US"/>
           </a:p>
@@ -1771,7 +1773,7 @@
           <a:p>
             <a:fld id="{D9DE92D4-3454-4E80-9822-1258D18FA6E8}" type="datetimeFigureOut">
               <a:rPr lang="en-US" smtClean="0"/>
-              <a:t>7/12/2015</a:t>
+              <a:t>7/23/2015</a:t>
             </a:fld>
             <a:endParaRPr lang="en-US"/>
           </a:p>
@@ -1889,7 +1891,7 @@
           <a:p>
             <a:fld id="{D9DE92D4-3454-4E80-9822-1258D18FA6E8}" type="datetimeFigureOut">
               <a:rPr lang="en-US" smtClean="0"/>
-              <a:t>7/12/2015</a:t>
+              <a:t>7/23/2015</a:t>
             </a:fld>
             <a:endParaRPr lang="en-US"/>
           </a:p>
@@ -1984,7 +1986,7 @@
           <a:p>
             <a:fld id="{D9DE92D4-3454-4E80-9822-1258D18FA6E8}" type="datetimeFigureOut">
               <a:rPr lang="en-US" smtClean="0"/>
-              <a:t>7/12/2015</a:t>
+              <a:t>7/23/2015</a:t>
             </a:fld>
             <a:endParaRPr lang="en-US"/>
           </a:p>
@@ -2261,7 +2263,7 @@
           <a:p>
             <a:fld id="{D9DE92D4-3454-4E80-9822-1258D18FA6E8}" type="datetimeFigureOut">
               <a:rPr lang="en-US" smtClean="0"/>
-              <a:t>7/12/2015</a:t>
+              <a:t>7/23/2015</a:t>
             </a:fld>
             <a:endParaRPr lang="en-US"/>
           </a:p>
@@ -2514,7 +2516,7 @@
           <a:p>
             <a:fld id="{D9DE92D4-3454-4E80-9822-1258D18FA6E8}" type="datetimeFigureOut">
               <a:rPr lang="en-US" smtClean="0"/>
-              <a:t>7/12/2015</a:t>
+              <a:t>7/23/2015</a:t>
             </a:fld>
             <a:endParaRPr lang="en-US"/>
           </a:p>
@@ -2727,7 +2729,7 @@
           <a:p>
             <a:fld id="{D9DE92D4-3454-4E80-9822-1258D18FA6E8}" type="datetimeFigureOut">
               <a:rPr lang="en-US" smtClean="0"/>
-              <a:t>7/12/2015</a:t>
+              <a:t>7/23/2015</a:t>
             </a:fld>
             <a:endParaRPr lang="en-US"/>
           </a:p>
@@ -6377,6 +6379,2000 @@
     <p:extLst>
       <p:ext uri="{BB962C8B-B14F-4D97-AF65-F5344CB8AC3E}">
         <p14:creationId xmlns:p14="http://schemas.microsoft.com/office/powerpoint/2010/main" val="4129890357"/>
+      </p:ext>
+    </p:extLst>
+  </p:cSld>
+  <p:clrMapOvr>
+    <a:masterClrMapping/>
+  </p:clrMapOvr>
+</p:sld>
+</file>
+
+<file path=ppt/slides/slide4.xml><?xml version="1.0" encoding="utf-8"?>
+<p:sld xmlns:a="http://schemas.openxmlformats.org/drawingml/2006/main" xmlns:r="http://schemas.openxmlformats.org/officeDocument/2006/relationships" xmlns:p="http://schemas.openxmlformats.org/presentationml/2006/main">
+  <p:cSld>
+    <p:spTree>
+      <p:nvGrpSpPr>
+        <p:cNvPr id="1" name=""/>
+        <p:cNvGrpSpPr/>
+        <p:nvPr/>
+      </p:nvGrpSpPr>
+      <p:grpSpPr>
+        <a:xfrm>
+          <a:off x="0" y="0"/>
+          <a:ext cx="0" cy="0"/>
+          <a:chOff x="0" y="0"/>
+          <a:chExt cx="0" cy="0"/>
+        </a:xfrm>
+      </p:grpSpPr>
+      <p:sp>
+        <p:nvSpPr>
+          <p:cNvPr id="2" name="Rounded Rectangle 1"/>
+          <p:cNvSpPr/>
+          <p:nvPr/>
+        </p:nvSpPr>
+        <p:spPr>
+          <a:xfrm>
+            <a:off x="1051719" y="76200"/>
+            <a:ext cx="1676400" cy="2438400"/>
+          </a:xfrm>
+          <a:prstGeom prst="roundRect">
+            <a:avLst>
+              <a:gd name="adj" fmla="val 5365"/>
+            </a:avLst>
+          </a:prstGeom>
+          <a:noFill/>
+          <a:ln w="12700">
+            <a:solidFill>
+              <a:schemeClr val="tx1"/>
+            </a:solidFill>
+          </a:ln>
+        </p:spPr>
+        <p:style>
+          <a:lnRef idx="2">
+            <a:schemeClr val="accent1">
+              <a:shade val="50000"/>
+            </a:schemeClr>
+          </a:lnRef>
+          <a:fillRef idx="1">
+            <a:schemeClr val="accent1"/>
+          </a:fillRef>
+          <a:effectRef idx="0">
+            <a:schemeClr val="accent1"/>
+          </a:effectRef>
+          <a:fontRef idx="minor">
+            <a:schemeClr val="lt1"/>
+          </a:fontRef>
+        </p:style>
+        <p:txBody>
+          <a:bodyPr rtlCol="0" anchor="ctr"/>
+          <a:lstStyle/>
+          <a:p>
+            <a:pPr algn="ctr"/>
+            <a:endParaRPr lang="en-US" sz="800" dirty="0">
+              <a:solidFill>
+                <a:schemeClr val="tx1"/>
+              </a:solidFill>
+              <a:latin typeface="Arial" pitchFamily="34" charset="0"/>
+              <a:cs typeface="Arial" pitchFamily="34" charset="0"/>
+            </a:endParaRPr>
+          </a:p>
+        </p:txBody>
+      </p:sp>
+      <p:sp>
+        <p:nvSpPr>
+          <p:cNvPr id="3" name="TextBox 2"/>
+          <p:cNvSpPr txBox="1"/>
+          <p:nvPr/>
+        </p:nvSpPr>
+        <p:spPr>
+          <a:xfrm>
+            <a:off x="1051719" y="76200"/>
+            <a:ext cx="1676400" cy="215444"/>
+          </a:xfrm>
+          <a:prstGeom prst="rect">
+            <a:avLst/>
+          </a:prstGeom>
+          <a:noFill/>
+          <a:ln w="12700">
+            <a:noFill/>
+          </a:ln>
+        </p:spPr>
+        <p:style>
+          <a:lnRef idx="2">
+            <a:schemeClr val="accent1">
+              <a:shade val="50000"/>
+            </a:schemeClr>
+          </a:lnRef>
+          <a:fillRef idx="1">
+            <a:schemeClr val="accent1"/>
+          </a:fillRef>
+          <a:effectRef idx="0">
+            <a:schemeClr val="accent1"/>
+          </a:effectRef>
+          <a:fontRef idx="minor">
+            <a:schemeClr val="lt1"/>
+          </a:fontRef>
+        </p:style>
+        <p:txBody>
+          <a:bodyPr rtlCol="0" anchor="ctr"/>
+          <a:lstStyle>
+            <a:defPPr>
+              <a:defRPr lang="en-US"/>
+            </a:defPPr>
+            <a:lvl1pPr algn="r">
+              <a:defRPr sz="800">
+                <a:latin typeface="Arial" pitchFamily="34" charset="0"/>
+                <a:cs typeface="Arial" pitchFamily="34" charset="0"/>
+              </a:defRPr>
+            </a:lvl1pPr>
+            <a:lvl2pPr>
+              <a:defRPr>
+                <a:solidFill>
+                  <a:schemeClr val="lt1"/>
+                </a:solidFill>
+              </a:defRPr>
+            </a:lvl2pPr>
+            <a:lvl3pPr>
+              <a:defRPr>
+                <a:solidFill>
+                  <a:schemeClr val="lt1"/>
+                </a:solidFill>
+              </a:defRPr>
+            </a:lvl3pPr>
+            <a:lvl4pPr>
+              <a:defRPr>
+                <a:solidFill>
+                  <a:schemeClr val="lt1"/>
+                </a:solidFill>
+              </a:defRPr>
+            </a:lvl4pPr>
+            <a:lvl5pPr>
+              <a:defRPr>
+                <a:solidFill>
+                  <a:schemeClr val="lt1"/>
+                </a:solidFill>
+              </a:defRPr>
+            </a:lvl5pPr>
+            <a:lvl6pPr>
+              <a:defRPr>
+                <a:solidFill>
+                  <a:schemeClr val="lt1"/>
+                </a:solidFill>
+              </a:defRPr>
+            </a:lvl6pPr>
+            <a:lvl7pPr>
+              <a:defRPr>
+                <a:solidFill>
+                  <a:schemeClr val="lt1"/>
+                </a:solidFill>
+              </a:defRPr>
+            </a:lvl7pPr>
+            <a:lvl8pPr>
+              <a:defRPr>
+                <a:solidFill>
+                  <a:schemeClr val="lt1"/>
+                </a:solidFill>
+              </a:defRPr>
+            </a:lvl8pPr>
+            <a:lvl9pPr>
+              <a:defRPr>
+                <a:solidFill>
+                  <a:schemeClr val="lt1"/>
+                </a:solidFill>
+              </a:defRPr>
+            </a:lvl9pPr>
+          </a:lstStyle>
+          <a:p>
+            <a:pPr algn="ctr"/>
+            <a:r>
+              <a:rPr lang="en-US" dirty="0">
+                <a:solidFill>
+                  <a:schemeClr val="tx1"/>
+                </a:solidFill>
+              </a:rPr>
+              <a:t>Security &amp; Reliability</a:t>
+            </a:r>
+          </a:p>
+        </p:txBody>
+      </p:sp>
+      <p:sp>
+        <p:nvSpPr>
+          <p:cNvPr id="6" name="Rounded Rectangle 5"/>
+          <p:cNvSpPr/>
+          <p:nvPr/>
+        </p:nvSpPr>
+        <p:spPr>
+          <a:xfrm>
+            <a:off x="2880519" y="76200"/>
+            <a:ext cx="1676400" cy="2438400"/>
+          </a:xfrm>
+          <a:prstGeom prst="roundRect">
+            <a:avLst>
+              <a:gd name="adj" fmla="val 5365"/>
+            </a:avLst>
+          </a:prstGeom>
+          <a:noFill/>
+          <a:ln w="12700">
+            <a:solidFill>
+              <a:schemeClr val="tx1"/>
+            </a:solidFill>
+          </a:ln>
+        </p:spPr>
+        <p:style>
+          <a:lnRef idx="2">
+            <a:schemeClr val="accent1">
+              <a:shade val="50000"/>
+            </a:schemeClr>
+          </a:lnRef>
+          <a:fillRef idx="1">
+            <a:schemeClr val="accent1"/>
+          </a:fillRef>
+          <a:effectRef idx="0">
+            <a:schemeClr val="accent1"/>
+          </a:effectRef>
+          <a:fontRef idx="minor">
+            <a:schemeClr val="lt1"/>
+          </a:fontRef>
+        </p:style>
+        <p:txBody>
+          <a:bodyPr rtlCol="0" anchor="ctr"/>
+          <a:lstStyle/>
+          <a:p>
+            <a:pPr algn="ctr"/>
+            <a:endParaRPr lang="en-US" sz="800" dirty="0">
+              <a:solidFill>
+                <a:schemeClr val="tx1"/>
+              </a:solidFill>
+              <a:latin typeface="Arial" pitchFamily="34" charset="0"/>
+              <a:cs typeface="Arial" pitchFamily="34" charset="0"/>
+            </a:endParaRPr>
+          </a:p>
+        </p:txBody>
+      </p:sp>
+      <p:sp>
+        <p:nvSpPr>
+          <p:cNvPr id="7" name="TextBox 6"/>
+          <p:cNvSpPr txBox="1"/>
+          <p:nvPr/>
+        </p:nvSpPr>
+        <p:spPr>
+          <a:xfrm>
+            <a:off x="2880519" y="76200"/>
+            <a:ext cx="1676400" cy="215444"/>
+          </a:xfrm>
+          <a:prstGeom prst="rect">
+            <a:avLst/>
+          </a:prstGeom>
+          <a:noFill/>
+          <a:ln w="12700">
+            <a:noFill/>
+          </a:ln>
+        </p:spPr>
+        <p:style>
+          <a:lnRef idx="2">
+            <a:schemeClr val="accent1">
+              <a:shade val="50000"/>
+            </a:schemeClr>
+          </a:lnRef>
+          <a:fillRef idx="1">
+            <a:schemeClr val="accent1"/>
+          </a:fillRef>
+          <a:effectRef idx="0">
+            <a:schemeClr val="accent1"/>
+          </a:effectRef>
+          <a:fontRef idx="minor">
+            <a:schemeClr val="lt1"/>
+          </a:fontRef>
+        </p:style>
+        <p:txBody>
+          <a:bodyPr rtlCol="0" anchor="ctr"/>
+          <a:lstStyle>
+            <a:defPPr>
+              <a:defRPr lang="en-US"/>
+            </a:defPPr>
+            <a:lvl1pPr algn="r">
+              <a:defRPr sz="800">
+                <a:latin typeface="Arial" pitchFamily="34" charset="0"/>
+                <a:cs typeface="Arial" pitchFamily="34" charset="0"/>
+              </a:defRPr>
+            </a:lvl1pPr>
+            <a:lvl2pPr>
+              <a:defRPr>
+                <a:solidFill>
+                  <a:schemeClr val="lt1"/>
+                </a:solidFill>
+              </a:defRPr>
+            </a:lvl2pPr>
+            <a:lvl3pPr>
+              <a:defRPr>
+                <a:solidFill>
+                  <a:schemeClr val="lt1"/>
+                </a:solidFill>
+              </a:defRPr>
+            </a:lvl3pPr>
+            <a:lvl4pPr>
+              <a:defRPr>
+                <a:solidFill>
+                  <a:schemeClr val="lt1"/>
+                </a:solidFill>
+              </a:defRPr>
+            </a:lvl4pPr>
+            <a:lvl5pPr>
+              <a:defRPr>
+                <a:solidFill>
+                  <a:schemeClr val="lt1"/>
+                </a:solidFill>
+              </a:defRPr>
+            </a:lvl5pPr>
+            <a:lvl6pPr>
+              <a:defRPr>
+                <a:solidFill>
+                  <a:schemeClr val="lt1"/>
+                </a:solidFill>
+              </a:defRPr>
+            </a:lvl6pPr>
+            <a:lvl7pPr>
+              <a:defRPr>
+                <a:solidFill>
+                  <a:schemeClr val="lt1"/>
+                </a:solidFill>
+              </a:defRPr>
+            </a:lvl7pPr>
+            <a:lvl8pPr>
+              <a:defRPr>
+                <a:solidFill>
+                  <a:schemeClr val="lt1"/>
+                </a:solidFill>
+              </a:defRPr>
+            </a:lvl8pPr>
+            <a:lvl9pPr>
+              <a:defRPr>
+                <a:solidFill>
+                  <a:schemeClr val="lt1"/>
+                </a:solidFill>
+              </a:defRPr>
+            </a:lvl9pPr>
+          </a:lstStyle>
+          <a:p>
+            <a:pPr algn="ctr"/>
+            <a:r>
+              <a:rPr lang="en-US" dirty="0" smtClean="0">
+                <a:solidFill>
+                  <a:schemeClr val="tx1"/>
+                </a:solidFill>
+              </a:rPr>
+              <a:t>Energy Efficiency</a:t>
+            </a:r>
+            <a:endParaRPr lang="en-US" dirty="0">
+              <a:solidFill>
+                <a:schemeClr val="tx1"/>
+              </a:solidFill>
+            </a:endParaRPr>
+          </a:p>
+        </p:txBody>
+      </p:sp>
+      <p:sp>
+        <p:nvSpPr>
+          <p:cNvPr id="8" name="Rounded Rectangle 7"/>
+          <p:cNvSpPr/>
+          <p:nvPr/>
+        </p:nvSpPr>
+        <p:spPr>
+          <a:xfrm>
+            <a:off x="594519" y="291644"/>
+            <a:ext cx="4038600" cy="1003756"/>
+          </a:xfrm>
+          <a:prstGeom prst="roundRect">
+            <a:avLst>
+              <a:gd name="adj" fmla="val 7547"/>
+            </a:avLst>
+          </a:prstGeom>
+          <a:noFill/>
+          <a:ln w="12700">
+            <a:solidFill>
+              <a:schemeClr val="tx1"/>
+            </a:solidFill>
+          </a:ln>
+        </p:spPr>
+        <p:style>
+          <a:lnRef idx="2">
+            <a:schemeClr val="accent1">
+              <a:shade val="50000"/>
+            </a:schemeClr>
+          </a:lnRef>
+          <a:fillRef idx="1">
+            <a:schemeClr val="accent1"/>
+          </a:fillRef>
+          <a:effectRef idx="0">
+            <a:schemeClr val="accent1"/>
+          </a:effectRef>
+          <a:fontRef idx="minor">
+            <a:schemeClr val="lt1"/>
+          </a:fontRef>
+        </p:style>
+        <p:txBody>
+          <a:bodyPr rtlCol="0" anchor="ctr"/>
+          <a:lstStyle/>
+          <a:p>
+            <a:pPr algn="ctr"/>
+            <a:endParaRPr lang="en-US" sz="800" dirty="0">
+              <a:solidFill>
+                <a:schemeClr val="tx1"/>
+              </a:solidFill>
+              <a:latin typeface="Arial" pitchFamily="34" charset="0"/>
+              <a:cs typeface="Arial" pitchFamily="34" charset="0"/>
+            </a:endParaRPr>
+          </a:p>
+        </p:txBody>
+      </p:sp>
+      <p:sp>
+        <p:nvSpPr>
+          <p:cNvPr id="9" name="TextBox 8"/>
+          <p:cNvSpPr txBox="1"/>
+          <p:nvPr/>
+        </p:nvSpPr>
+        <p:spPr>
+          <a:xfrm rot="16200000">
+            <a:off x="242377" y="643786"/>
+            <a:ext cx="1003756" cy="299472"/>
+          </a:xfrm>
+          <a:prstGeom prst="rect">
+            <a:avLst/>
+          </a:prstGeom>
+          <a:noFill/>
+          <a:ln w="12700">
+            <a:noFill/>
+          </a:ln>
+        </p:spPr>
+        <p:style>
+          <a:lnRef idx="2">
+            <a:schemeClr val="accent1">
+              <a:shade val="50000"/>
+            </a:schemeClr>
+          </a:lnRef>
+          <a:fillRef idx="1">
+            <a:schemeClr val="accent1"/>
+          </a:fillRef>
+          <a:effectRef idx="0">
+            <a:schemeClr val="accent1"/>
+          </a:effectRef>
+          <a:fontRef idx="minor">
+            <a:schemeClr val="lt1"/>
+          </a:fontRef>
+        </p:style>
+        <p:txBody>
+          <a:bodyPr rtlCol="0" anchor="ctr"/>
+          <a:lstStyle>
+            <a:defPPr>
+              <a:defRPr lang="en-US"/>
+            </a:defPPr>
+            <a:lvl1pPr algn="r">
+              <a:defRPr sz="800">
+                <a:latin typeface="Arial" pitchFamily="34" charset="0"/>
+                <a:cs typeface="Arial" pitchFamily="34" charset="0"/>
+              </a:defRPr>
+            </a:lvl1pPr>
+            <a:lvl2pPr>
+              <a:defRPr>
+                <a:solidFill>
+                  <a:schemeClr val="lt1"/>
+                </a:solidFill>
+              </a:defRPr>
+            </a:lvl2pPr>
+            <a:lvl3pPr>
+              <a:defRPr>
+                <a:solidFill>
+                  <a:schemeClr val="lt1"/>
+                </a:solidFill>
+              </a:defRPr>
+            </a:lvl3pPr>
+            <a:lvl4pPr>
+              <a:defRPr>
+                <a:solidFill>
+                  <a:schemeClr val="lt1"/>
+                </a:solidFill>
+              </a:defRPr>
+            </a:lvl4pPr>
+            <a:lvl5pPr>
+              <a:defRPr>
+                <a:solidFill>
+                  <a:schemeClr val="lt1"/>
+                </a:solidFill>
+              </a:defRPr>
+            </a:lvl5pPr>
+            <a:lvl6pPr>
+              <a:defRPr>
+                <a:solidFill>
+                  <a:schemeClr val="lt1"/>
+                </a:solidFill>
+              </a:defRPr>
+            </a:lvl6pPr>
+            <a:lvl7pPr>
+              <a:defRPr>
+                <a:solidFill>
+                  <a:schemeClr val="lt1"/>
+                </a:solidFill>
+              </a:defRPr>
+            </a:lvl7pPr>
+            <a:lvl8pPr>
+              <a:defRPr>
+                <a:solidFill>
+                  <a:schemeClr val="lt1"/>
+                </a:solidFill>
+              </a:defRPr>
+            </a:lvl8pPr>
+            <a:lvl9pPr>
+              <a:defRPr>
+                <a:solidFill>
+                  <a:schemeClr val="lt1"/>
+                </a:solidFill>
+              </a:defRPr>
+            </a:lvl9pPr>
+          </a:lstStyle>
+          <a:p>
+            <a:pPr algn="ctr"/>
+            <a:r>
+              <a:rPr lang="en-US" dirty="0" smtClean="0">
+                <a:solidFill>
+                  <a:schemeClr val="tx1"/>
+                </a:solidFill>
+              </a:rPr>
+              <a:t>Hard Real-Time Systems</a:t>
+            </a:r>
+            <a:endParaRPr lang="en-US" dirty="0">
+              <a:solidFill>
+                <a:schemeClr val="tx1"/>
+              </a:solidFill>
+            </a:endParaRPr>
+          </a:p>
+        </p:txBody>
+      </p:sp>
+      <p:sp>
+        <p:nvSpPr>
+          <p:cNvPr id="11" name="TextBox 10"/>
+          <p:cNvSpPr txBox="1"/>
+          <p:nvPr/>
+        </p:nvSpPr>
+        <p:spPr>
+          <a:xfrm rot="16200000">
+            <a:off x="242380" y="1786785"/>
+            <a:ext cx="1003756" cy="299474"/>
+          </a:xfrm>
+          <a:prstGeom prst="rect">
+            <a:avLst/>
+          </a:prstGeom>
+          <a:noFill/>
+          <a:ln w="12700">
+            <a:noFill/>
+          </a:ln>
+        </p:spPr>
+        <p:style>
+          <a:lnRef idx="2">
+            <a:schemeClr val="accent1">
+              <a:shade val="50000"/>
+            </a:schemeClr>
+          </a:lnRef>
+          <a:fillRef idx="1">
+            <a:schemeClr val="accent1"/>
+          </a:fillRef>
+          <a:effectRef idx="0">
+            <a:schemeClr val="accent1"/>
+          </a:effectRef>
+          <a:fontRef idx="minor">
+            <a:schemeClr val="lt1"/>
+          </a:fontRef>
+        </p:style>
+        <p:txBody>
+          <a:bodyPr rtlCol="0" anchor="ctr"/>
+          <a:lstStyle>
+            <a:defPPr>
+              <a:defRPr lang="en-US"/>
+            </a:defPPr>
+            <a:lvl1pPr algn="r">
+              <a:defRPr sz="800">
+                <a:latin typeface="Arial" pitchFamily="34" charset="0"/>
+                <a:cs typeface="Arial" pitchFamily="34" charset="0"/>
+              </a:defRPr>
+            </a:lvl1pPr>
+            <a:lvl2pPr>
+              <a:defRPr>
+                <a:solidFill>
+                  <a:schemeClr val="lt1"/>
+                </a:solidFill>
+              </a:defRPr>
+            </a:lvl2pPr>
+            <a:lvl3pPr>
+              <a:defRPr>
+                <a:solidFill>
+                  <a:schemeClr val="lt1"/>
+                </a:solidFill>
+              </a:defRPr>
+            </a:lvl3pPr>
+            <a:lvl4pPr>
+              <a:defRPr>
+                <a:solidFill>
+                  <a:schemeClr val="lt1"/>
+                </a:solidFill>
+              </a:defRPr>
+            </a:lvl4pPr>
+            <a:lvl5pPr>
+              <a:defRPr>
+                <a:solidFill>
+                  <a:schemeClr val="lt1"/>
+                </a:solidFill>
+              </a:defRPr>
+            </a:lvl5pPr>
+            <a:lvl6pPr>
+              <a:defRPr>
+                <a:solidFill>
+                  <a:schemeClr val="lt1"/>
+                </a:solidFill>
+              </a:defRPr>
+            </a:lvl6pPr>
+            <a:lvl7pPr>
+              <a:defRPr>
+                <a:solidFill>
+                  <a:schemeClr val="lt1"/>
+                </a:solidFill>
+              </a:defRPr>
+            </a:lvl7pPr>
+            <a:lvl8pPr>
+              <a:defRPr>
+                <a:solidFill>
+                  <a:schemeClr val="lt1"/>
+                </a:solidFill>
+              </a:defRPr>
+            </a:lvl8pPr>
+            <a:lvl9pPr>
+              <a:defRPr>
+                <a:solidFill>
+                  <a:schemeClr val="lt1"/>
+                </a:solidFill>
+              </a:defRPr>
+            </a:lvl9pPr>
+          </a:lstStyle>
+          <a:p>
+            <a:pPr algn="ctr"/>
+            <a:r>
+              <a:rPr lang="en-US" dirty="0" smtClean="0">
+                <a:solidFill>
+                  <a:schemeClr val="tx1"/>
+                </a:solidFill>
+              </a:rPr>
+              <a:t>Soft Real-Time Systems</a:t>
+            </a:r>
+            <a:endParaRPr lang="en-US" dirty="0">
+              <a:solidFill>
+                <a:schemeClr val="tx1"/>
+              </a:solidFill>
+            </a:endParaRPr>
+          </a:p>
+        </p:txBody>
+      </p:sp>
+      <p:sp>
+        <p:nvSpPr>
+          <p:cNvPr id="12" name="TextBox 11"/>
+          <p:cNvSpPr txBox="1"/>
+          <p:nvPr/>
+        </p:nvSpPr>
+        <p:spPr>
+          <a:xfrm>
+            <a:off x="1166016" y="386893"/>
+            <a:ext cx="1433011" cy="381000"/>
+          </a:xfrm>
+          <a:prstGeom prst="rect">
+            <a:avLst/>
+          </a:prstGeom>
+          <a:solidFill>
+            <a:srgbClr val="FFFFCC"/>
+          </a:solidFill>
+          <a:ln w="12700">
+            <a:solidFill>
+              <a:schemeClr val="tx1"/>
+            </a:solidFill>
+          </a:ln>
+        </p:spPr>
+        <p:style>
+          <a:lnRef idx="2">
+            <a:schemeClr val="accent1">
+              <a:shade val="50000"/>
+            </a:schemeClr>
+          </a:lnRef>
+          <a:fillRef idx="1">
+            <a:schemeClr val="accent1"/>
+          </a:fillRef>
+          <a:effectRef idx="0">
+            <a:schemeClr val="accent1"/>
+          </a:effectRef>
+          <a:fontRef idx="minor">
+            <a:schemeClr val="lt1"/>
+          </a:fontRef>
+        </p:style>
+        <p:txBody>
+          <a:bodyPr rtlCol="0" anchor="ctr"/>
+          <a:lstStyle>
+            <a:defPPr>
+              <a:defRPr lang="en-US"/>
+            </a:defPPr>
+            <a:lvl1pPr algn="ctr">
+              <a:defRPr sz="800">
+                <a:solidFill>
+                  <a:schemeClr val="tx1"/>
+                </a:solidFill>
+                <a:latin typeface="Arial" pitchFamily="34" charset="0"/>
+                <a:cs typeface="Arial" pitchFamily="34" charset="0"/>
+              </a:defRPr>
+            </a:lvl1pPr>
+          </a:lstStyle>
+          <a:p>
+            <a:r>
+              <a:rPr lang="en-US" dirty="0"/>
+              <a:t>WCET Analysis of Run-Time Monitoring</a:t>
+            </a:r>
+          </a:p>
+        </p:txBody>
+      </p:sp>
+      <p:sp>
+        <p:nvSpPr>
+          <p:cNvPr id="13" name="TextBox 12"/>
+          <p:cNvSpPr txBox="1"/>
+          <p:nvPr/>
+        </p:nvSpPr>
+        <p:spPr>
+          <a:xfrm>
+            <a:off x="1166018" y="838150"/>
+            <a:ext cx="1433011" cy="381000"/>
+          </a:xfrm>
+          <a:prstGeom prst="rect">
+            <a:avLst/>
+          </a:prstGeom>
+          <a:solidFill>
+            <a:srgbClr val="FFFFCC"/>
+          </a:solidFill>
+          <a:ln w="12700">
+            <a:solidFill>
+              <a:schemeClr val="tx1"/>
+            </a:solidFill>
+          </a:ln>
+        </p:spPr>
+        <p:style>
+          <a:lnRef idx="2">
+            <a:schemeClr val="accent1">
+              <a:shade val="50000"/>
+            </a:schemeClr>
+          </a:lnRef>
+          <a:fillRef idx="1">
+            <a:schemeClr val="accent1"/>
+          </a:fillRef>
+          <a:effectRef idx="0">
+            <a:schemeClr val="accent1"/>
+          </a:effectRef>
+          <a:fontRef idx="minor">
+            <a:schemeClr val="lt1"/>
+          </a:fontRef>
+        </p:style>
+        <p:txBody>
+          <a:bodyPr rtlCol="0" anchor="ctr"/>
+          <a:lstStyle>
+            <a:defPPr>
+              <a:defRPr lang="en-US"/>
+            </a:defPPr>
+            <a:lvl1pPr algn="ctr">
+              <a:defRPr sz="800">
+                <a:solidFill>
+                  <a:schemeClr val="tx1"/>
+                </a:solidFill>
+                <a:latin typeface="Arial" pitchFamily="34" charset="0"/>
+                <a:cs typeface="Arial" pitchFamily="34" charset="0"/>
+              </a:defRPr>
+            </a:lvl1pPr>
+          </a:lstStyle>
+          <a:p>
+            <a:r>
+              <a:rPr lang="en-US" dirty="0"/>
+              <a:t>Monitoring Architecture for Hard Real-Time Systems</a:t>
+            </a:r>
+          </a:p>
+        </p:txBody>
+      </p:sp>
+      <p:sp>
+        <p:nvSpPr>
+          <p:cNvPr id="14" name="TextBox 13"/>
+          <p:cNvSpPr txBox="1"/>
+          <p:nvPr/>
+        </p:nvSpPr>
+        <p:spPr>
+          <a:xfrm>
+            <a:off x="1173413" y="1746022"/>
+            <a:ext cx="1433011" cy="381000"/>
+          </a:xfrm>
+          <a:prstGeom prst="rect">
+            <a:avLst/>
+          </a:prstGeom>
+          <a:solidFill>
+            <a:srgbClr val="FFFFCC"/>
+          </a:solidFill>
+          <a:ln w="12700">
+            <a:solidFill>
+              <a:schemeClr val="tx1"/>
+            </a:solidFill>
+          </a:ln>
+        </p:spPr>
+        <p:style>
+          <a:lnRef idx="2">
+            <a:schemeClr val="accent1">
+              <a:shade val="50000"/>
+            </a:schemeClr>
+          </a:lnRef>
+          <a:fillRef idx="1">
+            <a:schemeClr val="accent1"/>
+          </a:fillRef>
+          <a:effectRef idx="0">
+            <a:schemeClr val="accent1"/>
+          </a:effectRef>
+          <a:fontRef idx="minor">
+            <a:schemeClr val="lt1"/>
+          </a:fontRef>
+        </p:style>
+        <p:txBody>
+          <a:bodyPr rtlCol="0" anchor="ctr"/>
+          <a:lstStyle>
+            <a:defPPr>
+              <a:defRPr lang="en-US"/>
+            </a:defPPr>
+            <a:lvl1pPr algn="ctr">
+              <a:defRPr sz="800">
+                <a:solidFill>
+                  <a:schemeClr val="tx1"/>
+                </a:solidFill>
+                <a:latin typeface="Arial" pitchFamily="34" charset="0"/>
+                <a:cs typeface="Arial" pitchFamily="34" charset="0"/>
+              </a:defRPr>
+            </a:lvl1pPr>
+          </a:lstStyle>
+          <a:p>
+            <a:r>
+              <a:rPr lang="en-US" dirty="0"/>
+              <a:t>Monitoring Architecture for Soft Real-Time Systems</a:t>
+            </a:r>
+          </a:p>
+        </p:txBody>
+      </p:sp>
+      <p:sp>
+        <p:nvSpPr>
+          <p:cNvPr id="15" name="TextBox 14"/>
+          <p:cNvSpPr txBox="1"/>
+          <p:nvPr/>
+        </p:nvSpPr>
+        <p:spPr>
+          <a:xfrm>
+            <a:off x="3002213" y="1746022"/>
+            <a:ext cx="1433011" cy="381000"/>
+          </a:xfrm>
+          <a:prstGeom prst="rect">
+            <a:avLst/>
+          </a:prstGeom>
+          <a:solidFill>
+            <a:srgbClr val="FFFFCC"/>
+          </a:solidFill>
+          <a:ln w="12700">
+            <a:solidFill>
+              <a:schemeClr val="tx1"/>
+            </a:solidFill>
+          </a:ln>
+        </p:spPr>
+        <p:style>
+          <a:lnRef idx="2">
+            <a:schemeClr val="accent1">
+              <a:shade val="50000"/>
+            </a:schemeClr>
+          </a:lnRef>
+          <a:fillRef idx="1">
+            <a:schemeClr val="accent1"/>
+          </a:fillRef>
+          <a:effectRef idx="0">
+            <a:schemeClr val="accent1"/>
+          </a:effectRef>
+          <a:fontRef idx="minor">
+            <a:schemeClr val="lt1"/>
+          </a:fontRef>
+        </p:style>
+        <p:txBody>
+          <a:bodyPr rtlCol="0" anchor="ctr"/>
+          <a:lstStyle>
+            <a:defPPr>
+              <a:defRPr lang="en-US"/>
+            </a:defPPr>
+            <a:lvl1pPr algn="ctr">
+              <a:defRPr sz="800">
+                <a:solidFill>
+                  <a:schemeClr val="tx1"/>
+                </a:solidFill>
+                <a:latin typeface="Arial" pitchFamily="34" charset="0"/>
+                <a:cs typeface="Arial" pitchFamily="34" charset="0"/>
+              </a:defRPr>
+            </a:lvl1pPr>
+          </a:lstStyle>
+          <a:p>
+            <a:r>
+              <a:rPr lang="en-US" dirty="0"/>
+              <a:t>DVFS Control for Soft Real-Time Systems</a:t>
+            </a:r>
+          </a:p>
+        </p:txBody>
+      </p:sp>
+      <p:sp>
+        <p:nvSpPr>
+          <p:cNvPr id="16" name="Rounded Rectangle 15"/>
+          <p:cNvSpPr/>
+          <p:nvPr/>
+        </p:nvSpPr>
+        <p:spPr>
+          <a:xfrm>
+            <a:off x="594518" y="1434644"/>
+            <a:ext cx="4038601" cy="1003756"/>
+          </a:xfrm>
+          <a:prstGeom prst="roundRect">
+            <a:avLst>
+              <a:gd name="adj" fmla="val 7547"/>
+            </a:avLst>
+          </a:prstGeom>
+          <a:noFill/>
+          <a:ln w="12700">
+            <a:solidFill>
+              <a:schemeClr val="tx1"/>
+            </a:solidFill>
+          </a:ln>
+        </p:spPr>
+        <p:style>
+          <a:lnRef idx="2">
+            <a:schemeClr val="accent1">
+              <a:shade val="50000"/>
+            </a:schemeClr>
+          </a:lnRef>
+          <a:fillRef idx="1">
+            <a:schemeClr val="accent1"/>
+          </a:fillRef>
+          <a:effectRef idx="0">
+            <a:schemeClr val="accent1"/>
+          </a:effectRef>
+          <a:fontRef idx="minor">
+            <a:schemeClr val="lt1"/>
+          </a:fontRef>
+        </p:style>
+        <p:txBody>
+          <a:bodyPr rtlCol="0" anchor="ctr"/>
+          <a:lstStyle/>
+          <a:p>
+            <a:pPr algn="ctr"/>
+            <a:endParaRPr lang="en-US" sz="800" dirty="0">
+              <a:solidFill>
+                <a:schemeClr val="tx1"/>
+              </a:solidFill>
+              <a:latin typeface="Arial" pitchFamily="34" charset="0"/>
+              <a:cs typeface="Arial" pitchFamily="34" charset="0"/>
+            </a:endParaRPr>
+          </a:p>
+        </p:txBody>
+      </p:sp>
+    </p:spTree>
+    <p:extLst>
+      <p:ext uri="{BB962C8B-B14F-4D97-AF65-F5344CB8AC3E}">
+        <p14:creationId xmlns:p14="http://schemas.microsoft.com/office/powerpoint/2010/main" val="3356890285"/>
+      </p:ext>
+    </p:extLst>
+  </p:cSld>
+  <p:clrMapOvr>
+    <a:masterClrMapping/>
+  </p:clrMapOvr>
+</p:sld>
+</file>
+
+<file path=ppt/slides/slide5.xml><?xml version="1.0" encoding="utf-8"?>
+<p:sld xmlns:a="http://schemas.openxmlformats.org/drawingml/2006/main" xmlns:r="http://schemas.openxmlformats.org/officeDocument/2006/relationships" xmlns:p="http://schemas.openxmlformats.org/presentationml/2006/main">
+  <p:cSld>
+    <p:spTree>
+      <p:nvGrpSpPr>
+        <p:cNvPr id="1" name=""/>
+        <p:cNvGrpSpPr/>
+        <p:nvPr/>
+      </p:nvGrpSpPr>
+      <p:grpSpPr>
+        <a:xfrm>
+          <a:off x="0" y="0"/>
+          <a:ext cx="0" cy="0"/>
+          <a:chOff x="0" y="0"/>
+          <a:chExt cx="0" cy="0"/>
+        </a:xfrm>
+      </p:grpSpPr>
+      <p:sp>
+        <p:nvSpPr>
+          <p:cNvPr id="3" name="TextBox 2"/>
+          <p:cNvSpPr txBox="1"/>
+          <p:nvPr/>
+        </p:nvSpPr>
+        <p:spPr>
+          <a:xfrm>
+            <a:off x="1103086" y="76200"/>
+            <a:ext cx="1676400" cy="215444"/>
+          </a:xfrm>
+          <a:prstGeom prst="rect">
+            <a:avLst/>
+          </a:prstGeom>
+          <a:noFill/>
+          <a:ln w="12700">
+            <a:noFill/>
+          </a:ln>
+        </p:spPr>
+        <p:style>
+          <a:lnRef idx="2">
+            <a:schemeClr val="accent1">
+              <a:shade val="50000"/>
+            </a:schemeClr>
+          </a:lnRef>
+          <a:fillRef idx="1">
+            <a:schemeClr val="accent1"/>
+          </a:fillRef>
+          <a:effectRef idx="0">
+            <a:schemeClr val="accent1"/>
+          </a:effectRef>
+          <a:fontRef idx="minor">
+            <a:schemeClr val="lt1"/>
+          </a:fontRef>
+        </p:style>
+        <p:txBody>
+          <a:bodyPr rtlCol="0" anchor="ctr"/>
+          <a:lstStyle>
+            <a:defPPr>
+              <a:defRPr lang="en-US"/>
+            </a:defPPr>
+            <a:lvl1pPr algn="r">
+              <a:defRPr sz="800">
+                <a:latin typeface="Arial" pitchFamily="34" charset="0"/>
+                <a:cs typeface="Arial" pitchFamily="34" charset="0"/>
+              </a:defRPr>
+            </a:lvl1pPr>
+            <a:lvl2pPr>
+              <a:defRPr>
+                <a:solidFill>
+                  <a:schemeClr val="lt1"/>
+                </a:solidFill>
+              </a:defRPr>
+            </a:lvl2pPr>
+            <a:lvl3pPr>
+              <a:defRPr>
+                <a:solidFill>
+                  <a:schemeClr val="lt1"/>
+                </a:solidFill>
+              </a:defRPr>
+            </a:lvl3pPr>
+            <a:lvl4pPr>
+              <a:defRPr>
+                <a:solidFill>
+                  <a:schemeClr val="lt1"/>
+                </a:solidFill>
+              </a:defRPr>
+            </a:lvl4pPr>
+            <a:lvl5pPr>
+              <a:defRPr>
+                <a:solidFill>
+                  <a:schemeClr val="lt1"/>
+                </a:solidFill>
+              </a:defRPr>
+            </a:lvl5pPr>
+            <a:lvl6pPr>
+              <a:defRPr>
+                <a:solidFill>
+                  <a:schemeClr val="lt1"/>
+                </a:solidFill>
+              </a:defRPr>
+            </a:lvl6pPr>
+            <a:lvl7pPr>
+              <a:defRPr>
+                <a:solidFill>
+                  <a:schemeClr val="lt1"/>
+                </a:solidFill>
+              </a:defRPr>
+            </a:lvl7pPr>
+            <a:lvl8pPr>
+              <a:defRPr>
+                <a:solidFill>
+                  <a:schemeClr val="lt1"/>
+                </a:solidFill>
+              </a:defRPr>
+            </a:lvl8pPr>
+            <a:lvl9pPr>
+              <a:defRPr>
+                <a:solidFill>
+                  <a:schemeClr val="lt1"/>
+                </a:solidFill>
+              </a:defRPr>
+            </a:lvl9pPr>
+          </a:lstStyle>
+          <a:p>
+            <a:pPr algn="ctr"/>
+            <a:r>
+              <a:rPr lang="en-US" dirty="0">
+                <a:solidFill>
+                  <a:schemeClr val="tx1"/>
+                </a:solidFill>
+              </a:rPr>
+              <a:t>Security &amp; Reliability</a:t>
+            </a:r>
+          </a:p>
+        </p:txBody>
+      </p:sp>
+      <p:sp>
+        <p:nvSpPr>
+          <p:cNvPr id="5" name="TextBox 4"/>
+          <p:cNvSpPr txBox="1"/>
+          <p:nvPr/>
+        </p:nvSpPr>
+        <p:spPr>
+          <a:xfrm>
+            <a:off x="2931886" y="76200"/>
+            <a:ext cx="1676400" cy="215444"/>
+          </a:xfrm>
+          <a:prstGeom prst="rect">
+            <a:avLst/>
+          </a:prstGeom>
+          <a:noFill/>
+          <a:ln w="12700">
+            <a:noFill/>
+          </a:ln>
+        </p:spPr>
+        <p:style>
+          <a:lnRef idx="2">
+            <a:schemeClr val="accent1">
+              <a:shade val="50000"/>
+            </a:schemeClr>
+          </a:lnRef>
+          <a:fillRef idx="1">
+            <a:schemeClr val="accent1"/>
+          </a:fillRef>
+          <a:effectRef idx="0">
+            <a:schemeClr val="accent1"/>
+          </a:effectRef>
+          <a:fontRef idx="minor">
+            <a:schemeClr val="lt1"/>
+          </a:fontRef>
+        </p:style>
+        <p:txBody>
+          <a:bodyPr rtlCol="0" anchor="ctr"/>
+          <a:lstStyle>
+            <a:defPPr>
+              <a:defRPr lang="en-US"/>
+            </a:defPPr>
+            <a:lvl1pPr algn="r">
+              <a:defRPr sz="800">
+                <a:latin typeface="Arial" pitchFamily="34" charset="0"/>
+                <a:cs typeface="Arial" pitchFamily="34" charset="0"/>
+              </a:defRPr>
+            </a:lvl1pPr>
+            <a:lvl2pPr>
+              <a:defRPr>
+                <a:solidFill>
+                  <a:schemeClr val="lt1"/>
+                </a:solidFill>
+              </a:defRPr>
+            </a:lvl2pPr>
+            <a:lvl3pPr>
+              <a:defRPr>
+                <a:solidFill>
+                  <a:schemeClr val="lt1"/>
+                </a:solidFill>
+              </a:defRPr>
+            </a:lvl3pPr>
+            <a:lvl4pPr>
+              <a:defRPr>
+                <a:solidFill>
+                  <a:schemeClr val="lt1"/>
+                </a:solidFill>
+              </a:defRPr>
+            </a:lvl4pPr>
+            <a:lvl5pPr>
+              <a:defRPr>
+                <a:solidFill>
+                  <a:schemeClr val="lt1"/>
+                </a:solidFill>
+              </a:defRPr>
+            </a:lvl5pPr>
+            <a:lvl6pPr>
+              <a:defRPr>
+                <a:solidFill>
+                  <a:schemeClr val="lt1"/>
+                </a:solidFill>
+              </a:defRPr>
+            </a:lvl6pPr>
+            <a:lvl7pPr>
+              <a:defRPr>
+                <a:solidFill>
+                  <a:schemeClr val="lt1"/>
+                </a:solidFill>
+              </a:defRPr>
+            </a:lvl7pPr>
+            <a:lvl8pPr>
+              <a:defRPr>
+                <a:solidFill>
+                  <a:schemeClr val="lt1"/>
+                </a:solidFill>
+              </a:defRPr>
+            </a:lvl8pPr>
+            <a:lvl9pPr>
+              <a:defRPr>
+                <a:solidFill>
+                  <a:schemeClr val="lt1"/>
+                </a:solidFill>
+              </a:defRPr>
+            </a:lvl9pPr>
+          </a:lstStyle>
+          <a:p>
+            <a:pPr algn="ctr"/>
+            <a:r>
+              <a:rPr lang="en-US" dirty="0" smtClean="0">
+                <a:solidFill>
+                  <a:schemeClr val="tx1"/>
+                </a:solidFill>
+              </a:rPr>
+              <a:t>Energy Efficiency</a:t>
+            </a:r>
+            <a:endParaRPr lang="en-US" dirty="0">
+              <a:solidFill>
+                <a:schemeClr val="tx1"/>
+              </a:solidFill>
+            </a:endParaRPr>
+          </a:p>
+        </p:txBody>
+      </p:sp>
+      <p:sp>
+        <p:nvSpPr>
+          <p:cNvPr id="7" name="TextBox 6"/>
+          <p:cNvSpPr txBox="1"/>
+          <p:nvPr/>
+        </p:nvSpPr>
+        <p:spPr>
+          <a:xfrm rot="16200000">
+            <a:off x="179444" y="758086"/>
+            <a:ext cx="1232356" cy="299472"/>
+          </a:xfrm>
+          <a:prstGeom prst="rect">
+            <a:avLst/>
+          </a:prstGeom>
+          <a:noFill/>
+          <a:ln w="12700">
+            <a:noFill/>
+          </a:ln>
+        </p:spPr>
+        <p:style>
+          <a:lnRef idx="2">
+            <a:schemeClr val="accent1">
+              <a:shade val="50000"/>
+            </a:schemeClr>
+          </a:lnRef>
+          <a:fillRef idx="1">
+            <a:schemeClr val="accent1"/>
+          </a:fillRef>
+          <a:effectRef idx="0">
+            <a:schemeClr val="accent1"/>
+          </a:effectRef>
+          <a:fontRef idx="minor">
+            <a:schemeClr val="lt1"/>
+          </a:fontRef>
+        </p:style>
+        <p:txBody>
+          <a:bodyPr rtlCol="0" anchor="ctr"/>
+          <a:lstStyle>
+            <a:defPPr>
+              <a:defRPr lang="en-US"/>
+            </a:defPPr>
+            <a:lvl1pPr algn="r">
+              <a:defRPr sz="800">
+                <a:latin typeface="Arial" pitchFamily="34" charset="0"/>
+                <a:cs typeface="Arial" pitchFamily="34" charset="0"/>
+              </a:defRPr>
+            </a:lvl1pPr>
+            <a:lvl2pPr>
+              <a:defRPr>
+                <a:solidFill>
+                  <a:schemeClr val="lt1"/>
+                </a:solidFill>
+              </a:defRPr>
+            </a:lvl2pPr>
+            <a:lvl3pPr>
+              <a:defRPr>
+                <a:solidFill>
+                  <a:schemeClr val="lt1"/>
+                </a:solidFill>
+              </a:defRPr>
+            </a:lvl3pPr>
+            <a:lvl4pPr>
+              <a:defRPr>
+                <a:solidFill>
+                  <a:schemeClr val="lt1"/>
+                </a:solidFill>
+              </a:defRPr>
+            </a:lvl4pPr>
+            <a:lvl5pPr>
+              <a:defRPr>
+                <a:solidFill>
+                  <a:schemeClr val="lt1"/>
+                </a:solidFill>
+              </a:defRPr>
+            </a:lvl5pPr>
+            <a:lvl6pPr>
+              <a:defRPr>
+                <a:solidFill>
+                  <a:schemeClr val="lt1"/>
+                </a:solidFill>
+              </a:defRPr>
+            </a:lvl6pPr>
+            <a:lvl7pPr>
+              <a:defRPr>
+                <a:solidFill>
+                  <a:schemeClr val="lt1"/>
+                </a:solidFill>
+              </a:defRPr>
+            </a:lvl7pPr>
+            <a:lvl8pPr>
+              <a:defRPr>
+                <a:solidFill>
+                  <a:schemeClr val="lt1"/>
+                </a:solidFill>
+              </a:defRPr>
+            </a:lvl8pPr>
+            <a:lvl9pPr>
+              <a:defRPr>
+                <a:solidFill>
+                  <a:schemeClr val="lt1"/>
+                </a:solidFill>
+              </a:defRPr>
+            </a:lvl9pPr>
+          </a:lstStyle>
+          <a:p>
+            <a:pPr algn="ctr"/>
+            <a:r>
+              <a:rPr lang="en-US" dirty="0" smtClean="0">
+                <a:solidFill>
+                  <a:schemeClr val="tx1"/>
+                </a:solidFill>
+              </a:rPr>
+              <a:t>Hard Real-Time Systems</a:t>
+            </a:r>
+            <a:endParaRPr lang="en-US" dirty="0">
+              <a:solidFill>
+                <a:schemeClr val="tx1"/>
+              </a:solidFill>
+            </a:endParaRPr>
+          </a:p>
+        </p:txBody>
+      </p:sp>
+      <p:sp>
+        <p:nvSpPr>
+          <p:cNvPr id="8" name="TextBox 7"/>
+          <p:cNvSpPr txBox="1"/>
+          <p:nvPr/>
+        </p:nvSpPr>
+        <p:spPr>
+          <a:xfrm rot="16200000">
+            <a:off x="338425" y="1831463"/>
+            <a:ext cx="914400" cy="299474"/>
+          </a:xfrm>
+          <a:prstGeom prst="rect">
+            <a:avLst/>
+          </a:prstGeom>
+          <a:noFill/>
+          <a:ln w="12700">
+            <a:noFill/>
+          </a:ln>
+        </p:spPr>
+        <p:style>
+          <a:lnRef idx="2">
+            <a:schemeClr val="accent1">
+              <a:shade val="50000"/>
+            </a:schemeClr>
+          </a:lnRef>
+          <a:fillRef idx="1">
+            <a:schemeClr val="accent1"/>
+          </a:fillRef>
+          <a:effectRef idx="0">
+            <a:schemeClr val="accent1"/>
+          </a:effectRef>
+          <a:fontRef idx="minor">
+            <a:schemeClr val="lt1"/>
+          </a:fontRef>
+        </p:style>
+        <p:txBody>
+          <a:bodyPr rtlCol="0" anchor="ctr"/>
+          <a:lstStyle>
+            <a:defPPr>
+              <a:defRPr lang="en-US"/>
+            </a:defPPr>
+            <a:lvl1pPr algn="r">
+              <a:defRPr sz="800">
+                <a:latin typeface="Arial" pitchFamily="34" charset="0"/>
+                <a:cs typeface="Arial" pitchFamily="34" charset="0"/>
+              </a:defRPr>
+            </a:lvl1pPr>
+            <a:lvl2pPr>
+              <a:defRPr>
+                <a:solidFill>
+                  <a:schemeClr val="lt1"/>
+                </a:solidFill>
+              </a:defRPr>
+            </a:lvl2pPr>
+            <a:lvl3pPr>
+              <a:defRPr>
+                <a:solidFill>
+                  <a:schemeClr val="lt1"/>
+                </a:solidFill>
+              </a:defRPr>
+            </a:lvl3pPr>
+            <a:lvl4pPr>
+              <a:defRPr>
+                <a:solidFill>
+                  <a:schemeClr val="lt1"/>
+                </a:solidFill>
+              </a:defRPr>
+            </a:lvl4pPr>
+            <a:lvl5pPr>
+              <a:defRPr>
+                <a:solidFill>
+                  <a:schemeClr val="lt1"/>
+                </a:solidFill>
+              </a:defRPr>
+            </a:lvl5pPr>
+            <a:lvl6pPr>
+              <a:defRPr>
+                <a:solidFill>
+                  <a:schemeClr val="lt1"/>
+                </a:solidFill>
+              </a:defRPr>
+            </a:lvl6pPr>
+            <a:lvl7pPr>
+              <a:defRPr>
+                <a:solidFill>
+                  <a:schemeClr val="lt1"/>
+                </a:solidFill>
+              </a:defRPr>
+            </a:lvl7pPr>
+            <a:lvl8pPr>
+              <a:defRPr>
+                <a:solidFill>
+                  <a:schemeClr val="lt1"/>
+                </a:solidFill>
+              </a:defRPr>
+            </a:lvl8pPr>
+            <a:lvl9pPr>
+              <a:defRPr>
+                <a:solidFill>
+                  <a:schemeClr val="lt1"/>
+                </a:solidFill>
+              </a:defRPr>
+            </a:lvl9pPr>
+          </a:lstStyle>
+          <a:p>
+            <a:pPr algn="ctr"/>
+            <a:r>
+              <a:rPr lang="en-US" dirty="0" smtClean="0">
+                <a:solidFill>
+                  <a:schemeClr val="tx1"/>
+                </a:solidFill>
+              </a:rPr>
+              <a:t>Soft Real-Time Systems</a:t>
+            </a:r>
+            <a:endParaRPr lang="en-US" dirty="0">
+              <a:solidFill>
+                <a:schemeClr val="tx1"/>
+              </a:solidFill>
+            </a:endParaRPr>
+          </a:p>
+        </p:txBody>
+      </p:sp>
+      <p:sp>
+        <p:nvSpPr>
+          <p:cNvPr id="9" name="TextBox 8"/>
+          <p:cNvSpPr txBox="1"/>
+          <p:nvPr/>
+        </p:nvSpPr>
+        <p:spPr>
+          <a:xfrm>
+            <a:off x="1217383" y="386892"/>
+            <a:ext cx="1433011" cy="451257"/>
+          </a:xfrm>
+          <a:prstGeom prst="rect">
+            <a:avLst/>
+          </a:prstGeom>
+          <a:solidFill>
+            <a:srgbClr val="FFFFCC"/>
+          </a:solidFill>
+          <a:ln w="12700">
+            <a:solidFill>
+              <a:schemeClr val="tx1"/>
+            </a:solidFill>
+          </a:ln>
+        </p:spPr>
+        <p:style>
+          <a:lnRef idx="2">
+            <a:schemeClr val="accent1">
+              <a:shade val="50000"/>
+            </a:schemeClr>
+          </a:lnRef>
+          <a:fillRef idx="1">
+            <a:schemeClr val="accent1"/>
+          </a:fillRef>
+          <a:effectRef idx="0">
+            <a:schemeClr val="accent1"/>
+          </a:effectRef>
+          <a:fontRef idx="minor">
+            <a:schemeClr val="lt1"/>
+          </a:fontRef>
+        </p:style>
+        <p:txBody>
+          <a:bodyPr rtlCol="0" anchor="ctr"/>
+          <a:lstStyle>
+            <a:defPPr>
+              <a:defRPr lang="en-US"/>
+            </a:defPPr>
+            <a:lvl1pPr algn="ctr">
+              <a:defRPr sz="800">
+                <a:solidFill>
+                  <a:schemeClr val="tx1"/>
+                </a:solidFill>
+                <a:latin typeface="Arial" pitchFamily="34" charset="0"/>
+                <a:cs typeface="Arial" pitchFamily="34" charset="0"/>
+              </a:defRPr>
+            </a:lvl1pPr>
+          </a:lstStyle>
+          <a:p>
+            <a:r>
+              <a:rPr lang="en-US" dirty="0"/>
+              <a:t>WCET Analysis of Run-Time </a:t>
+            </a:r>
+            <a:r>
+              <a:rPr lang="en-US" dirty="0" smtClean="0"/>
+              <a:t>Monitoring</a:t>
+            </a:r>
+          </a:p>
+          <a:p>
+            <a:r>
+              <a:rPr lang="en-US" dirty="0" smtClean="0"/>
+              <a:t>(Chapter 3)</a:t>
+            </a:r>
+            <a:endParaRPr lang="en-US" dirty="0"/>
+          </a:p>
+        </p:txBody>
+      </p:sp>
+      <p:sp>
+        <p:nvSpPr>
+          <p:cNvPr id="10" name="TextBox 9"/>
+          <p:cNvSpPr txBox="1"/>
+          <p:nvPr/>
+        </p:nvSpPr>
+        <p:spPr>
+          <a:xfrm>
+            <a:off x="1217383" y="962481"/>
+            <a:ext cx="1433012" cy="451257"/>
+          </a:xfrm>
+          <a:prstGeom prst="rect">
+            <a:avLst/>
+          </a:prstGeom>
+          <a:solidFill>
+            <a:srgbClr val="FFFFCC"/>
+          </a:solidFill>
+          <a:ln w="12700">
+            <a:solidFill>
+              <a:schemeClr val="tx1"/>
+            </a:solidFill>
+          </a:ln>
+        </p:spPr>
+        <p:style>
+          <a:lnRef idx="2">
+            <a:schemeClr val="accent1">
+              <a:shade val="50000"/>
+            </a:schemeClr>
+          </a:lnRef>
+          <a:fillRef idx="1">
+            <a:schemeClr val="accent1"/>
+          </a:fillRef>
+          <a:effectRef idx="0">
+            <a:schemeClr val="accent1"/>
+          </a:effectRef>
+          <a:fontRef idx="minor">
+            <a:schemeClr val="lt1"/>
+          </a:fontRef>
+        </p:style>
+        <p:txBody>
+          <a:bodyPr rtlCol="0" anchor="ctr"/>
+          <a:lstStyle>
+            <a:defPPr>
+              <a:defRPr lang="en-US"/>
+            </a:defPPr>
+            <a:lvl1pPr algn="ctr">
+              <a:defRPr sz="800">
+                <a:solidFill>
+                  <a:schemeClr val="tx1"/>
+                </a:solidFill>
+                <a:latin typeface="Arial" pitchFamily="34" charset="0"/>
+                <a:cs typeface="Arial" pitchFamily="34" charset="0"/>
+              </a:defRPr>
+            </a:lvl1pPr>
+          </a:lstStyle>
+          <a:p>
+            <a:r>
+              <a:rPr lang="en-US" dirty="0"/>
+              <a:t>Monitoring Architecture for Hard Real-Time </a:t>
+            </a:r>
+            <a:r>
+              <a:rPr lang="en-US" dirty="0" smtClean="0"/>
+              <a:t>Systems (Chapter 4)</a:t>
+            </a:r>
+            <a:endParaRPr lang="en-US" dirty="0"/>
+          </a:p>
+        </p:txBody>
+      </p:sp>
+      <p:sp>
+        <p:nvSpPr>
+          <p:cNvPr id="11" name="TextBox 10"/>
+          <p:cNvSpPr txBox="1"/>
+          <p:nvPr/>
+        </p:nvSpPr>
+        <p:spPr>
+          <a:xfrm>
+            <a:off x="1217382" y="1755571"/>
+            <a:ext cx="1433011" cy="451257"/>
+          </a:xfrm>
+          <a:prstGeom prst="rect">
+            <a:avLst/>
+          </a:prstGeom>
+          <a:solidFill>
+            <a:srgbClr val="FFFFCC"/>
+          </a:solidFill>
+          <a:ln w="12700">
+            <a:solidFill>
+              <a:schemeClr val="tx1"/>
+            </a:solidFill>
+          </a:ln>
+        </p:spPr>
+        <p:style>
+          <a:lnRef idx="2">
+            <a:schemeClr val="accent1">
+              <a:shade val="50000"/>
+            </a:schemeClr>
+          </a:lnRef>
+          <a:fillRef idx="1">
+            <a:schemeClr val="accent1"/>
+          </a:fillRef>
+          <a:effectRef idx="0">
+            <a:schemeClr val="accent1"/>
+          </a:effectRef>
+          <a:fontRef idx="minor">
+            <a:schemeClr val="lt1"/>
+          </a:fontRef>
+        </p:style>
+        <p:txBody>
+          <a:bodyPr rtlCol="0" anchor="ctr"/>
+          <a:lstStyle>
+            <a:defPPr>
+              <a:defRPr lang="en-US"/>
+            </a:defPPr>
+            <a:lvl1pPr algn="ctr">
+              <a:defRPr sz="800">
+                <a:solidFill>
+                  <a:schemeClr val="tx1"/>
+                </a:solidFill>
+                <a:latin typeface="Arial" pitchFamily="34" charset="0"/>
+                <a:cs typeface="Arial" pitchFamily="34" charset="0"/>
+              </a:defRPr>
+            </a:lvl1pPr>
+          </a:lstStyle>
+          <a:p>
+            <a:r>
+              <a:rPr lang="en-US" dirty="0"/>
+              <a:t>Monitoring Architecture for Soft Real-Time </a:t>
+            </a:r>
+            <a:r>
+              <a:rPr lang="en-US" dirty="0" smtClean="0"/>
+              <a:t>Systems (Chapter 5)</a:t>
+            </a:r>
+            <a:endParaRPr lang="en-US" dirty="0"/>
+          </a:p>
+        </p:txBody>
+      </p:sp>
+      <p:sp>
+        <p:nvSpPr>
+          <p:cNvPr id="12" name="TextBox 11"/>
+          <p:cNvSpPr txBox="1"/>
+          <p:nvPr/>
+        </p:nvSpPr>
+        <p:spPr>
+          <a:xfrm>
+            <a:off x="3053580" y="1755571"/>
+            <a:ext cx="1433011" cy="451257"/>
+          </a:xfrm>
+          <a:prstGeom prst="rect">
+            <a:avLst/>
+          </a:prstGeom>
+          <a:solidFill>
+            <a:srgbClr val="FFFFCC"/>
+          </a:solidFill>
+          <a:ln w="12700">
+            <a:solidFill>
+              <a:schemeClr val="tx1"/>
+            </a:solidFill>
+          </a:ln>
+        </p:spPr>
+        <p:style>
+          <a:lnRef idx="2">
+            <a:schemeClr val="accent1">
+              <a:shade val="50000"/>
+            </a:schemeClr>
+          </a:lnRef>
+          <a:fillRef idx="1">
+            <a:schemeClr val="accent1"/>
+          </a:fillRef>
+          <a:effectRef idx="0">
+            <a:schemeClr val="accent1"/>
+          </a:effectRef>
+          <a:fontRef idx="minor">
+            <a:schemeClr val="lt1"/>
+          </a:fontRef>
+        </p:style>
+        <p:txBody>
+          <a:bodyPr rtlCol="0" anchor="ctr"/>
+          <a:lstStyle>
+            <a:defPPr>
+              <a:defRPr lang="en-US"/>
+            </a:defPPr>
+            <a:lvl1pPr algn="ctr">
+              <a:defRPr sz="800">
+                <a:solidFill>
+                  <a:schemeClr val="tx1"/>
+                </a:solidFill>
+                <a:latin typeface="Arial" pitchFamily="34" charset="0"/>
+                <a:cs typeface="Arial" pitchFamily="34" charset="0"/>
+              </a:defRPr>
+            </a:lvl1pPr>
+          </a:lstStyle>
+          <a:p>
+            <a:r>
+              <a:rPr lang="en-US" dirty="0"/>
+              <a:t>DVFS Control for Soft Real-Time </a:t>
+            </a:r>
+            <a:r>
+              <a:rPr lang="en-US" dirty="0" smtClean="0"/>
+              <a:t>Systems (Chapter 6)</a:t>
+            </a:r>
+            <a:endParaRPr lang="en-US" dirty="0"/>
+          </a:p>
+        </p:txBody>
+      </p:sp>
+      <p:cxnSp>
+        <p:nvCxnSpPr>
+          <p:cNvPr id="14" name="Straight Arrow Connector 13"/>
+          <p:cNvCxnSpPr/>
+          <p:nvPr/>
+        </p:nvCxnSpPr>
+        <p:spPr>
+          <a:xfrm>
+            <a:off x="645885" y="1524000"/>
+            <a:ext cx="4038601" cy="0"/>
+          </a:xfrm>
+          <a:prstGeom prst="straightConnector1">
+            <a:avLst/>
+          </a:prstGeom>
+          <a:ln w="12700">
+            <a:solidFill>
+              <a:schemeClr val="tx1"/>
+            </a:solidFill>
+            <a:headEnd w="sm" len="sm"/>
+            <a:tailEnd type="none" w="med" len="med"/>
+          </a:ln>
+        </p:spPr>
+        <p:style>
+          <a:lnRef idx="1">
+            <a:schemeClr val="accent1"/>
+          </a:lnRef>
+          <a:fillRef idx="0">
+            <a:schemeClr val="accent1"/>
+          </a:fillRef>
+          <a:effectRef idx="0">
+            <a:schemeClr val="accent1"/>
+          </a:effectRef>
+          <a:fontRef idx="minor">
+            <a:schemeClr val="tx1"/>
+          </a:fontRef>
+        </p:style>
+      </p:cxnSp>
+      <p:cxnSp>
+        <p:nvCxnSpPr>
+          <p:cNvPr id="16" name="Straight Arrow Connector 15"/>
+          <p:cNvCxnSpPr/>
+          <p:nvPr/>
+        </p:nvCxnSpPr>
+        <p:spPr>
+          <a:xfrm>
+            <a:off x="645884" y="298605"/>
+            <a:ext cx="4038601" cy="0"/>
+          </a:xfrm>
+          <a:prstGeom prst="straightConnector1">
+            <a:avLst/>
+          </a:prstGeom>
+          <a:ln w="12700">
+            <a:solidFill>
+              <a:schemeClr val="tx1"/>
+            </a:solidFill>
+            <a:headEnd w="sm" len="sm"/>
+            <a:tailEnd type="none" w="med" len="med"/>
+          </a:ln>
+        </p:spPr>
+        <p:style>
+          <a:lnRef idx="1">
+            <a:schemeClr val="accent1"/>
+          </a:lnRef>
+          <a:fillRef idx="0">
+            <a:schemeClr val="accent1"/>
+          </a:fillRef>
+          <a:effectRef idx="0">
+            <a:schemeClr val="accent1"/>
+          </a:effectRef>
+          <a:fontRef idx="minor">
+            <a:schemeClr val="tx1"/>
+          </a:fontRef>
+        </p:style>
+      </p:cxnSp>
+      <p:cxnSp>
+        <p:nvCxnSpPr>
+          <p:cNvPr id="17" name="Straight Arrow Connector 16"/>
+          <p:cNvCxnSpPr/>
+          <p:nvPr/>
+        </p:nvCxnSpPr>
+        <p:spPr>
+          <a:xfrm>
+            <a:off x="2817585" y="76200"/>
+            <a:ext cx="0" cy="2362200"/>
+          </a:xfrm>
+          <a:prstGeom prst="straightConnector1">
+            <a:avLst/>
+          </a:prstGeom>
+          <a:ln w="12700">
+            <a:solidFill>
+              <a:schemeClr val="tx1"/>
+            </a:solidFill>
+            <a:headEnd w="sm" len="sm"/>
+            <a:tailEnd type="none" w="med" len="med"/>
+          </a:ln>
+        </p:spPr>
+        <p:style>
+          <a:lnRef idx="1">
+            <a:schemeClr val="accent1"/>
+          </a:lnRef>
+          <a:fillRef idx="0">
+            <a:schemeClr val="accent1"/>
+          </a:fillRef>
+          <a:effectRef idx="0">
+            <a:schemeClr val="accent1"/>
+          </a:effectRef>
+          <a:fontRef idx="minor">
+            <a:schemeClr val="tx1"/>
+          </a:fontRef>
+        </p:style>
+      </p:cxnSp>
+      <p:cxnSp>
+        <p:nvCxnSpPr>
+          <p:cNvPr id="20" name="Straight Arrow Connector 19"/>
+          <p:cNvCxnSpPr/>
+          <p:nvPr/>
+        </p:nvCxnSpPr>
+        <p:spPr>
+          <a:xfrm>
+            <a:off x="1026886" y="76200"/>
+            <a:ext cx="0" cy="2362200"/>
+          </a:xfrm>
+          <a:prstGeom prst="straightConnector1">
+            <a:avLst/>
+          </a:prstGeom>
+          <a:ln w="12700">
+            <a:solidFill>
+              <a:schemeClr val="tx1"/>
+            </a:solidFill>
+            <a:headEnd w="sm" len="sm"/>
+            <a:tailEnd type="none" w="med" len="med"/>
+          </a:ln>
+        </p:spPr>
+        <p:style>
+          <a:lnRef idx="1">
+            <a:schemeClr val="accent1"/>
+          </a:lnRef>
+          <a:fillRef idx="0">
+            <a:schemeClr val="accent1"/>
+          </a:fillRef>
+          <a:effectRef idx="0">
+            <a:schemeClr val="accent1"/>
+          </a:effectRef>
+          <a:fontRef idx="minor">
+            <a:schemeClr val="tx1"/>
+          </a:fontRef>
+        </p:style>
+      </p:cxnSp>
+      <p:cxnSp>
+        <p:nvCxnSpPr>
+          <p:cNvPr id="21" name="Straight Arrow Connector 20"/>
+          <p:cNvCxnSpPr/>
+          <p:nvPr/>
+        </p:nvCxnSpPr>
+        <p:spPr>
+          <a:xfrm>
+            <a:off x="645889" y="2438400"/>
+            <a:ext cx="4038597" cy="0"/>
+          </a:xfrm>
+          <a:prstGeom prst="straightConnector1">
+            <a:avLst/>
+          </a:prstGeom>
+          <a:ln w="12700">
+            <a:solidFill>
+              <a:schemeClr val="tx1"/>
+            </a:solidFill>
+            <a:headEnd w="sm" len="sm"/>
+            <a:tailEnd type="none" w="med" len="med"/>
+          </a:ln>
+        </p:spPr>
+        <p:style>
+          <a:lnRef idx="1">
+            <a:schemeClr val="accent1"/>
+          </a:lnRef>
+          <a:fillRef idx="0">
+            <a:schemeClr val="accent1"/>
+          </a:fillRef>
+          <a:effectRef idx="0">
+            <a:schemeClr val="accent1"/>
+          </a:effectRef>
+          <a:fontRef idx="minor">
+            <a:schemeClr val="tx1"/>
+          </a:fontRef>
+        </p:style>
+      </p:cxnSp>
+      <p:cxnSp>
+        <p:nvCxnSpPr>
+          <p:cNvPr id="24" name="Straight Arrow Connector 23"/>
+          <p:cNvCxnSpPr/>
+          <p:nvPr/>
+        </p:nvCxnSpPr>
+        <p:spPr>
+          <a:xfrm>
+            <a:off x="4684486" y="76200"/>
+            <a:ext cx="0" cy="2362200"/>
+          </a:xfrm>
+          <a:prstGeom prst="straightConnector1">
+            <a:avLst/>
+          </a:prstGeom>
+          <a:ln w="12700">
+            <a:solidFill>
+              <a:schemeClr val="tx1"/>
+            </a:solidFill>
+            <a:headEnd w="sm" len="sm"/>
+            <a:tailEnd type="none" w="med" len="med"/>
+          </a:ln>
+        </p:spPr>
+        <p:style>
+          <a:lnRef idx="1">
+            <a:schemeClr val="accent1"/>
+          </a:lnRef>
+          <a:fillRef idx="0">
+            <a:schemeClr val="accent1"/>
+          </a:fillRef>
+          <a:effectRef idx="0">
+            <a:schemeClr val="accent1"/>
+          </a:effectRef>
+          <a:fontRef idx="minor">
+            <a:schemeClr val="tx1"/>
+          </a:fontRef>
+        </p:style>
+      </p:cxnSp>
+    </p:spTree>
+    <p:extLst>
+      <p:ext uri="{BB962C8B-B14F-4D97-AF65-F5344CB8AC3E}">
+        <p14:creationId xmlns:p14="http://schemas.microsoft.com/office/powerpoint/2010/main" val="2354021637"/>
       </p:ext>
     </p:extLst>
   </p:cSld>

--- a/figs_src/diagrams-wide.pptx
+++ b/figs_src/diagrams-wide.pptx
@@ -292,7 +292,7 @@
           <a:p>
             <a:fld id="{D9DE92D4-3454-4E80-9822-1258D18FA6E8}" type="datetimeFigureOut">
               <a:rPr lang="en-US" smtClean="0"/>
-              <a:t>7/23/2015</a:t>
+              <a:t>8/3/2015</a:t>
             </a:fld>
             <a:endParaRPr lang="en-US"/>
           </a:p>
@@ -462,7 +462,7 @@
           <a:p>
             <a:fld id="{D9DE92D4-3454-4E80-9822-1258D18FA6E8}" type="datetimeFigureOut">
               <a:rPr lang="en-US" smtClean="0"/>
-              <a:t>7/23/2015</a:t>
+              <a:t>8/3/2015</a:t>
             </a:fld>
             <a:endParaRPr lang="en-US"/>
           </a:p>
@@ -642,7 +642,7 @@
           <a:p>
             <a:fld id="{D9DE92D4-3454-4E80-9822-1258D18FA6E8}" type="datetimeFigureOut">
               <a:rPr lang="en-US" smtClean="0"/>
-              <a:t>7/23/2015</a:t>
+              <a:t>8/3/2015</a:t>
             </a:fld>
             <a:endParaRPr lang="en-US"/>
           </a:p>
@@ -812,7 +812,7 @@
           <a:p>
             <a:fld id="{D9DE92D4-3454-4E80-9822-1258D18FA6E8}" type="datetimeFigureOut">
               <a:rPr lang="en-US" smtClean="0"/>
-              <a:t>7/23/2015</a:t>
+              <a:t>8/3/2015</a:t>
             </a:fld>
             <a:endParaRPr lang="en-US"/>
           </a:p>
@@ -1058,7 +1058,7 @@
           <a:p>
             <a:fld id="{D9DE92D4-3454-4E80-9822-1258D18FA6E8}" type="datetimeFigureOut">
               <a:rPr lang="en-US" smtClean="0"/>
-              <a:t>7/23/2015</a:t>
+              <a:t>8/3/2015</a:t>
             </a:fld>
             <a:endParaRPr lang="en-US"/>
           </a:p>
@@ -1346,7 +1346,7 @@
           <a:p>
             <a:fld id="{D9DE92D4-3454-4E80-9822-1258D18FA6E8}" type="datetimeFigureOut">
               <a:rPr lang="en-US" smtClean="0"/>
-              <a:t>7/23/2015</a:t>
+              <a:t>8/3/2015</a:t>
             </a:fld>
             <a:endParaRPr lang="en-US"/>
           </a:p>
@@ -1773,7 +1773,7 @@
           <a:p>
             <a:fld id="{D9DE92D4-3454-4E80-9822-1258D18FA6E8}" type="datetimeFigureOut">
               <a:rPr lang="en-US" smtClean="0"/>
-              <a:t>7/23/2015</a:t>
+              <a:t>8/3/2015</a:t>
             </a:fld>
             <a:endParaRPr lang="en-US"/>
           </a:p>
@@ -1891,7 +1891,7 @@
           <a:p>
             <a:fld id="{D9DE92D4-3454-4E80-9822-1258D18FA6E8}" type="datetimeFigureOut">
               <a:rPr lang="en-US" smtClean="0"/>
-              <a:t>7/23/2015</a:t>
+              <a:t>8/3/2015</a:t>
             </a:fld>
             <a:endParaRPr lang="en-US"/>
           </a:p>
@@ -1986,7 +1986,7 @@
           <a:p>
             <a:fld id="{D9DE92D4-3454-4E80-9822-1258D18FA6E8}" type="datetimeFigureOut">
               <a:rPr lang="en-US" smtClean="0"/>
-              <a:t>7/23/2015</a:t>
+              <a:t>8/3/2015</a:t>
             </a:fld>
             <a:endParaRPr lang="en-US"/>
           </a:p>
@@ -2263,7 +2263,7 @@
           <a:p>
             <a:fld id="{D9DE92D4-3454-4E80-9822-1258D18FA6E8}" type="datetimeFigureOut">
               <a:rPr lang="en-US" smtClean="0"/>
-              <a:t>7/23/2015</a:t>
+              <a:t>8/3/2015</a:t>
             </a:fld>
             <a:endParaRPr lang="en-US"/>
           </a:p>
@@ -2516,7 +2516,7 @@
           <a:p>
             <a:fld id="{D9DE92D4-3454-4E80-9822-1258D18FA6E8}" type="datetimeFigureOut">
               <a:rPr lang="en-US" smtClean="0"/>
-              <a:t>7/23/2015</a:t>
+              <a:t>8/3/2015</a:t>
             </a:fld>
             <a:endParaRPr lang="en-US"/>
           </a:p>
@@ -2729,7 +2729,7 @@
           <a:p>
             <a:fld id="{D9DE92D4-3454-4E80-9822-1258D18FA6E8}" type="datetimeFigureOut">
               <a:rPr lang="en-US" smtClean="0"/>
-              <a:t>7/23/2015</a:t>
+              <a:t>8/3/2015</a:t>
             </a:fld>
             <a:endParaRPr lang="en-US"/>
           </a:p>
@@ -6092,11 +6092,11 @@
           <a:p>
             <a:pPr algn="ctr"/>
             <a:r>
-              <a:rPr lang="en-US" sz="800" dirty="0" smtClean="0">
+              <a:rPr lang="en-US" sz="800" smtClean="0">
                 <a:latin typeface="Arial" pitchFamily="34" charset="0"/>
                 <a:cs typeface="Arial" pitchFamily="34" charset="0"/>
               </a:rPr>
-              <a:t>Monitor</a:t>
+              <a:t>Monitoring Core</a:t>
             </a:r>
             <a:endParaRPr lang="en-US" sz="800" dirty="0">
               <a:latin typeface="Arial" pitchFamily="34" charset="0"/>
